--- a/Seminario/presentacion-seminario.pptx
+++ b/Seminario/presentacion-seminario.pptx
@@ -8,6 +8,8 @@
     <p:sldId id="256" r:id="rId2"/>
     <p:sldId id="257" r:id="rId3"/>
     <p:sldId id="258" r:id="rId4"/>
+    <p:sldId id="259" r:id="rId5"/>
+    <p:sldId id="261" r:id="rId6"/>
   </p:sldIdLst>
   <p:sldSz cx="9144000" cy="6858000" type="screen4x3"/>
   <p:notesSz cx="6858000" cy="9144000"/>
@@ -107,6 +109,3105 @@
     </a:lvl9pPr>
   </p:defaultTextStyle>
 </p:presentation>
+</file>
+
+<file path=ppt/diagrams/colors1.xml><?xml version="1.0" encoding="utf-8"?>
+<dgm:colorsDef xmlns:dgm="http://schemas.openxmlformats.org/drawingml/2006/diagram" xmlns:a="http://schemas.openxmlformats.org/drawingml/2006/main" uniqueId="urn:microsoft.com/office/officeart/2005/8/colors/colorful1">
+  <dgm:title val=""/>
+  <dgm:desc val=""/>
+  <dgm:catLst>
+    <dgm:cat type="colorful" pri="10100"/>
+  </dgm:catLst>
+  <dgm:styleLbl name="node0">
+    <dgm:fillClrLst meth="repeat">
+      <a:schemeClr val="accent1"/>
+    </dgm:fillClrLst>
+    <dgm:linClrLst meth="repeat">
+      <a:schemeClr val="lt1"/>
+    </dgm:linClrLst>
+    <dgm:effectClrLst/>
+    <dgm:txLinClrLst/>
+    <dgm:txFillClrLst/>
+    <dgm:txEffectClrLst/>
+  </dgm:styleLbl>
+  <dgm:styleLbl name="node1">
+    <dgm:fillClrLst meth="repeat">
+      <a:schemeClr val="accent2"/>
+      <a:schemeClr val="accent3"/>
+      <a:schemeClr val="accent4"/>
+      <a:schemeClr val="accent5"/>
+      <a:schemeClr val="accent6"/>
+    </dgm:fillClrLst>
+    <dgm:linClrLst meth="repeat">
+      <a:schemeClr val="lt1"/>
+    </dgm:linClrLst>
+    <dgm:effectClrLst/>
+    <dgm:txLinClrLst/>
+    <dgm:txFillClrLst/>
+    <dgm:txEffectClrLst/>
+  </dgm:styleLbl>
+  <dgm:styleLbl name="alignNode1">
+    <dgm:fillClrLst meth="repeat">
+      <a:schemeClr val="accent2"/>
+      <a:schemeClr val="accent3"/>
+      <a:schemeClr val="accent4"/>
+      <a:schemeClr val="accent5"/>
+      <a:schemeClr val="accent6"/>
+    </dgm:fillClrLst>
+    <dgm:linClrLst meth="repeat">
+      <a:schemeClr val="accent2"/>
+      <a:schemeClr val="accent3"/>
+      <a:schemeClr val="accent4"/>
+      <a:schemeClr val="accent5"/>
+      <a:schemeClr val="accent6"/>
+    </dgm:linClrLst>
+    <dgm:effectClrLst/>
+    <dgm:txLinClrLst/>
+    <dgm:txFillClrLst/>
+    <dgm:txEffectClrLst/>
+  </dgm:styleLbl>
+  <dgm:styleLbl name="lnNode1">
+    <dgm:fillClrLst meth="repeat">
+      <a:schemeClr val="accent2"/>
+      <a:schemeClr val="accent3"/>
+      <a:schemeClr val="accent4"/>
+      <a:schemeClr val="accent5"/>
+      <a:schemeClr val="accent6"/>
+    </dgm:fillClrLst>
+    <dgm:linClrLst meth="repeat">
+      <a:schemeClr val="lt1"/>
+    </dgm:linClrLst>
+    <dgm:effectClrLst/>
+    <dgm:txLinClrLst/>
+    <dgm:txFillClrLst/>
+    <dgm:txEffectClrLst/>
+  </dgm:styleLbl>
+  <dgm:styleLbl name="vennNode1">
+    <dgm:fillClrLst meth="repeat">
+      <a:schemeClr val="accent2">
+        <a:alpha val="50000"/>
+      </a:schemeClr>
+      <a:schemeClr val="accent3">
+        <a:alpha val="50000"/>
+      </a:schemeClr>
+      <a:schemeClr val="accent4">
+        <a:alpha val="50000"/>
+      </a:schemeClr>
+      <a:schemeClr val="accent5">
+        <a:alpha val="50000"/>
+      </a:schemeClr>
+      <a:schemeClr val="accent6">
+        <a:alpha val="50000"/>
+      </a:schemeClr>
+    </dgm:fillClrLst>
+    <dgm:linClrLst meth="repeat">
+      <a:schemeClr val="lt1"/>
+    </dgm:linClrLst>
+    <dgm:effectClrLst/>
+    <dgm:txLinClrLst/>
+    <dgm:txFillClrLst/>
+    <dgm:txEffectClrLst/>
+  </dgm:styleLbl>
+  <dgm:styleLbl name="node2">
+    <dgm:fillClrLst>
+      <a:schemeClr val="accent2"/>
+    </dgm:fillClrLst>
+    <dgm:linClrLst meth="repeat">
+      <a:schemeClr val="lt1"/>
+    </dgm:linClrLst>
+    <dgm:effectClrLst/>
+    <dgm:txLinClrLst/>
+    <dgm:txFillClrLst/>
+    <dgm:txEffectClrLst/>
+  </dgm:styleLbl>
+  <dgm:styleLbl name="node3">
+    <dgm:fillClrLst>
+      <a:schemeClr val="accent3"/>
+    </dgm:fillClrLst>
+    <dgm:linClrLst meth="repeat">
+      <a:schemeClr val="lt1"/>
+    </dgm:linClrLst>
+    <dgm:effectClrLst/>
+    <dgm:txLinClrLst/>
+    <dgm:txFillClrLst/>
+    <dgm:txEffectClrLst/>
+  </dgm:styleLbl>
+  <dgm:styleLbl name="node4">
+    <dgm:fillClrLst>
+      <a:schemeClr val="accent4"/>
+    </dgm:fillClrLst>
+    <dgm:linClrLst meth="repeat">
+      <a:schemeClr val="lt1"/>
+    </dgm:linClrLst>
+    <dgm:effectClrLst/>
+    <dgm:txLinClrLst/>
+    <dgm:txFillClrLst/>
+    <dgm:txEffectClrLst/>
+  </dgm:styleLbl>
+  <dgm:styleLbl name="fgImgPlace1">
+    <dgm:fillClrLst meth="repeat">
+      <a:schemeClr val="accent2">
+        <a:tint val="50000"/>
+      </a:schemeClr>
+      <a:schemeClr val="accent3">
+        <a:tint val="50000"/>
+      </a:schemeClr>
+      <a:schemeClr val="accent4">
+        <a:tint val="50000"/>
+      </a:schemeClr>
+      <a:schemeClr val="accent5">
+        <a:tint val="50000"/>
+      </a:schemeClr>
+      <a:schemeClr val="accent6">
+        <a:tint val="50000"/>
+      </a:schemeClr>
+    </dgm:fillClrLst>
+    <dgm:linClrLst meth="repeat">
+      <a:schemeClr val="lt1"/>
+    </dgm:linClrLst>
+    <dgm:effectClrLst/>
+    <dgm:txLinClrLst/>
+    <dgm:txFillClrLst meth="repeat">
+      <a:schemeClr val="lt1"/>
+    </dgm:txFillClrLst>
+    <dgm:txEffectClrLst/>
+  </dgm:styleLbl>
+  <dgm:styleLbl name="alignImgPlace1">
+    <dgm:fillClrLst>
+      <a:schemeClr val="accent1">
+        <a:tint val="50000"/>
+      </a:schemeClr>
+      <a:schemeClr val="accent2">
+        <a:tint val="20000"/>
+      </a:schemeClr>
+    </dgm:fillClrLst>
+    <dgm:linClrLst meth="repeat">
+      <a:schemeClr val="lt1"/>
+    </dgm:linClrLst>
+    <dgm:effectClrLst/>
+    <dgm:txLinClrLst/>
+    <dgm:txFillClrLst meth="repeat">
+      <a:schemeClr val="lt1"/>
+    </dgm:txFillClrLst>
+    <dgm:txEffectClrLst/>
+  </dgm:styleLbl>
+  <dgm:styleLbl name="bgImgPlace1">
+    <dgm:fillClrLst>
+      <a:schemeClr val="accent1">
+        <a:tint val="50000"/>
+      </a:schemeClr>
+      <a:schemeClr val="accent2">
+        <a:tint val="20000"/>
+      </a:schemeClr>
+    </dgm:fillClrLst>
+    <dgm:linClrLst meth="repeat">
+      <a:schemeClr val="lt1"/>
+    </dgm:linClrLst>
+    <dgm:effectClrLst/>
+    <dgm:txLinClrLst/>
+    <dgm:txFillClrLst meth="repeat">
+      <a:schemeClr val="lt1"/>
+    </dgm:txFillClrLst>
+    <dgm:txEffectClrLst/>
+  </dgm:styleLbl>
+  <dgm:styleLbl name="sibTrans2D1">
+    <dgm:fillClrLst meth="repeat">
+      <a:schemeClr val="accent2"/>
+      <a:schemeClr val="accent3"/>
+      <a:schemeClr val="accent4"/>
+      <a:schemeClr val="accent5"/>
+      <a:schemeClr val="accent6"/>
+    </dgm:fillClrLst>
+    <dgm:linClrLst meth="cycle">
+      <a:schemeClr val="lt1"/>
+    </dgm:linClrLst>
+    <dgm:effectClrLst/>
+    <dgm:txLinClrLst/>
+    <dgm:txFillClrLst/>
+    <dgm:txEffectClrLst/>
+  </dgm:styleLbl>
+  <dgm:styleLbl name="fgSibTrans2D1">
+    <dgm:fillClrLst meth="repeat">
+      <a:schemeClr val="accent2"/>
+      <a:schemeClr val="accent3"/>
+      <a:schemeClr val="accent4"/>
+      <a:schemeClr val="accent5"/>
+      <a:schemeClr val="accent6"/>
+    </dgm:fillClrLst>
+    <dgm:linClrLst meth="cycle">
+      <a:schemeClr val="lt1"/>
+    </dgm:linClrLst>
+    <dgm:effectClrLst/>
+    <dgm:txLinClrLst/>
+    <dgm:txFillClrLst meth="repeat">
+      <a:schemeClr val="lt1"/>
+    </dgm:txFillClrLst>
+    <dgm:txEffectClrLst/>
+  </dgm:styleLbl>
+  <dgm:styleLbl name="bgSibTrans2D1">
+    <dgm:fillClrLst meth="repeat">
+      <a:schemeClr val="accent2"/>
+      <a:schemeClr val="accent3"/>
+      <a:schemeClr val="accent4"/>
+      <a:schemeClr val="accent5"/>
+      <a:schemeClr val="accent6"/>
+    </dgm:fillClrLst>
+    <dgm:linClrLst meth="cycle">
+      <a:schemeClr val="lt1"/>
+    </dgm:linClrLst>
+    <dgm:effectClrLst/>
+    <dgm:txLinClrLst/>
+    <dgm:txFillClrLst meth="repeat">
+      <a:schemeClr val="lt1"/>
+    </dgm:txFillClrLst>
+    <dgm:txEffectClrLst/>
+  </dgm:styleLbl>
+  <dgm:styleLbl name="sibTrans1D1">
+    <dgm:fillClrLst meth="repeat">
+      <a:schemeClr val="accent2"/>
+      <a:schemeClr val="accent3"/>
+      <a:schemeClr val="accent4"/>
+      <a:schemeClr val="accent5"/>
+      <a:schemeClr val="accent6"/>
+    </dgm:fillClrLst>
+    <dgm:linClrLst meth="repeat">
+      <a:schemeClr val="accent2"/>
+      <a:schemeClr val="accent3"/>
+      <a:schemeClr val="accent4"/>
+      <a:schemeClr val="accent5"/>
+      <a:schemeClr val="accent6"/>
+    </dgm:linClrLst>
+    <dgm:effectClrLst/>
+    <dgm:txLinClrLst/>
+    <dgm:txFillClrLst meth="repeat">
+      <a:schemeClr val="tx1"/>
+    </dgm:txFillClrLst>
+    <dgm:txEffectClrLst/>
+  </dgm:styleLbl>
+  <dgm:styleLbl name="callout">
+    <dgm:fillClrLst meth="repeat">
+      <a:schemeClr val="accent2"/>
+    </dgm:fillClrLst>
+    <dgm:linClrLst meth="repeat">
+      <a:schemeClr val="accent2">
+        <a:tint val="50000"/>
+      </a:schemeClr>
+    </dgm:linClrLst>
+    <dgm:effectClrLst/>
+    <dgm:txLinClrLst/>
+    <dgm:txFillClrLst meth="repeat">
+      <a:schemeClr val="tx1"/>
+    </dgm:txFillClrLst>
+    <dgm:txEffectClrLst/>
+  </dgm:styleLbl>
+  <dgm:styleLbl name="asst0">
+    <dgm:fillClrLst meth="repeat">
+      <a:schemeClr val="accent1"/>
+    </dgm:fillClrLst>
+    <dgm:linClrLst meth="repeat">
+      <a:schemeClr val="lt1"/>
+    </dgm:linClrLst>
+    <dgm:effectClrLst/>
+    <dgm:txLinClrLst/>
+    <dgm:txFillClrLst/>
+    <dgm:txEffectClrLst/>
+  </dgm:styleLbl>
+  <dgm:styleLbl name="asst1">
+    <dgm:fillClrLst meth="repeat">
+      <a:schemeClr val="accent2"/>
+    </dgm:fillClrLst>
+    <dgm:linClrLst meth="repeat">
+      <a:schemeClr val="lt1"/>
+    </dgm:linClrLst>
+    <dgm:effectClrLst/>
+    <dgm:txLinClrLst/>
+    <dgm:txFillClrLst/>
+    <dgm:txEffectClrLst/>
+  </dgm:styleLbl>
+  <dgm:styleLbl name="asst2">
+    <dgm:fillClrLst>
+      <a:schemeClr val="accent3"/>
+    </dgm:fillClrLst>
+    <dgm:linClrLst meth="repeat">
+      <a:schemeClr val="lt1"/>
+    </dgm:linClrLst>
+    <dgm:effectClrLst/>
+    <dgm:txLinClrLst/>
+    <dgm:txFillClrLst/>
+    <dgm:txEffectClrLst/>
+  </dgm:styleLbl>
+  <dgm:styleLbl name="asst3">
+    <dgm:fillClrLst>
+      <a:schemeClr val="accent4"/>
+    </dgm:fillClrLst>
+    <dgm:linClrLst meth="repeat">
+      <a:schemeClr val="lt1"/>
+    </dgm:linClrLst>
+    <dgm:effectClrLst/>
+    <dgm:txLinClrLst/>
+    <dgm:txFillClrLst/>
+    <dgm:txEffectClrLst/>
+  </dgm:styleLbl>
+  <dgm:styleLbl name="asst4">
+    <dgm:fillClrLst>
+      <a:schemeClr val="accent5"/>
+    </dgm:fillClrLst>
+    <dgm:linClrLst meth="repeat">
+      <a:schemeClr val="lt1"/>
+    </dgm:linClrLst>
+    <dgm:effectClrLst/>
+    <dgm:txLinClrLst/>
+    <dgm:txFillClrLst/>
+    <dgm:txEffectClrLst/>
+  </dgm:styleLbl>
+  <dgm:styleLbl name="parChTrans2D1">
+    <dgm:fillClrLst meth="repeat">
+      <a:schemeClr val="accent2"/>
+    </dgm:fillClrLst>
+    <dgm:linClrLst meth="repeat">
+      <a:schemeClr val="lt1"/>
+    </dgm:linClrLst>
+    <dgm:effectClrLst/>
+    <dgm:txLinClrLst/>
+    <dgm:txFillClrLst meth="repeat">
+      <a:schemeClr val="lt1"/>
+    </dgm:txFillClrLst>
+    <dgm:txEffectClrLst/>
+  </dgm:styleLbl>
+  <dgm:styleLbl name="parChTrans2D2">
+    <dgm:fillClrLst meth="repeat">
+      <a:schemeClr val="accent3"/>
+    </dgm:fillClrLst>
+    <dgm:linClrLst meth="repeat">
+      <a:schemeClr val="lt1"/>
+    </dgm:linClrLst>
+    <dgm:effectClrLst/>
+    <dgm:txLinClrLst/>
+    <dgm:txFillClrLst/>
+    <dgm:txEffectClrLst/>
+  </dgm:styleLbl>
+  <dgm:styleLbl name="parChTrans2D3">
+    <dgm:fillClrLst meth="repeat">
+      <a:schemeClr val="accent4"/>
+    </dgm:fillClrLst>
+    <dgm:linClrLst meth="repeat">
+      <a:schemeClr val="lt1"/>
+    </dgm:linClrLst>
+    <dgm:effectClrLst/>
+    <dgm:txLinClrLst/>
+    <dgm:txFillClrLst/>
+    <dgm:txEffectClrLst/>
+  </dgm:styleLbl>
+  <dgm:styleLbl name="parChTrans2D4">
+    <dgm:fillClrLst meth="repeat">
+      <a:schemeClr val="accent5"/>
+    </dgm:fillClrLst>
+    <dgm:linClrLst meth="repeat">
+      <a:schemeClr val="lt1"/>
+    </dgm:linClrLst>
+    <dgm:effectClrLst/>
+    <dgm:txLinClrLst/>
+    <dgm:txFillClrLst meth="repeat">
+      <a:schemeClr val="lt1"/>
+    </dgm:txFillClrLst>
+    <dgm:txEffectClrLst/>
+  </dgm:styleLbl>
+  <dgm:styleLbl name="parChTrans1D1">
+    <dgm:fillClrLst meth="repeat">
+      <a:schemeClr val="accent2"/>
+    </dgm:fillClrLst>
+    <dgm:linClrLst meth="repeat">
+      <a:schemeClr val="accent1"/>
+    </dgm:linClrLst>
+    <dgm:effectClrLst/>
+    <dgm:txLinClrLst/>
+    <dgm:txFillClrLst meth="repeat">
+      <a:schemeClr val="tx1"/>
+    </dgm:txFillClrLst>
+    <dgm:txEffectClrLst/>
+  </dgm:styleLbl>
+  <dgm:styleLbl name="parChTrans1D2">
+    <dgm:fillClrLst meth="repeat">
+      <a:schemeClr val="accent3">
+        <a:tint val="90000"/>
+      </a:schemeClr>
+    </dgm:fillClrLst>
+    <dgm:linClrLst meth="repeat">
+      <a:schemeClr val="accent2"/>
+    </dgm:linClrLst>
+    <dgm:effectClrLst/>
+    <dgm:txLinClrLst/>
+    <dgm:txFillClrLst meth="repeat">
+      <a:schemeClr val="tx1"/>
+    </dgm:txFillClrLst>
+    <dgm:txEffectClrLst/>
+  </dgm:styleLbl>
+  <dgm:styleLbl name="parChTrans1D3">
+    <dgm:fillClrLst meth="repeat">
+      <a:schemeClr val="accent4">
+        <a:tint val="70000"/>
+      </a:schemeClr>
+    </dgm:fillClrLst>
+    <dgm:linClrLst meth="repeat">
+      <a:schemeClr val="accent3"/>
+    </dgm:linClrLst>
+    <dgm:effectClrLst/>
+    <dgm:txLinClrLst/>
+    <dgm:txFillClrLst meth="repeat">
+      <a:schemeClr val="tx1"/>
+    </dgm:txFillClrLst>
+    <dgm:txEffectClrLst/>
+  </dgm:styleLbl>
+  <dgm:styleLbl name="parChTrans1D4">
+    <dgm:fillClrLst meth="repeat">
+      <a:schemeClr val="accent5">
+        <a:tint val="50000"/>
+      </a:schemeClr>
+    </dgm:fillClrLst>
+    <dgm:linClrLst meth="repeat">
+      <a:schemeClr val="accent4"/>
+    </dgm:linClrLst>
+    <dgm:effectClrLst/>
+    <dgm:txLinClrLst/>
+    <dgm:txFillClrLst meth="repeat">
+      <a:schemeClr val="tx1"/>
+    </dgm:txFillClrLst>
+    <dgm:txEffectClrLst/>
+  </dgm:styleLbl>
+  <dgm:styleLbl name="fgAcc1">
+    <dgm:fillClrLst meth="repeat">
+      <a:schemeClr val="lt1">
+        <a:alpha val="90000"/>
+      </a:schemeClr>
+    </dgm:fillClrLst>
+    <dgm:linClrLst meth="repeat">
+      <a:schemeClr val="accent2"/>
+      <a:schemeClr val="accent3"/>
+      <a:schemeClr val="accent4"/>
+      <a:schemeClr val="accent5"/>
+      <a:schemeClr val="accent6"/>
+    </dgm:linClrLst>
+    <dgm:effectClrLst/>
+    <dgm:txLinClrLst/>
+    <dgm:txFillClrLst meth="repeat">
+      <a:schemeClr val="dk1"/>
+    </dgm:txFillClrLst>
+    <dgm:txEffectClrLst/>
+  </dgm:styleLbl>
+  <dgm:styleLbl name="conFgAcc1">
+    <dgm:fillClrLst meth="repeat">
+      <a:schemeClr val="lt1">
+        <a:alpha val="90000"/>
+      </a:schemeClr>
+    </dgm:fillClrLst>
+    <dgm:linClrLst meth="repeat">
+      <a:schemeClr val="accent2"/>
+      <a:schemeClr val="accent3"/>
+      <a:schemeClr val="accent4"/>
+      <a:schemeClr val="accent5"/>
+      <a:schemeClr val="accent6"/>
+    </dgm:linClrLst>
+    <dgm:effectClrLst/>
+    <dgm:txLinClrLst/>
+    <dgm:txFillClrLst meth="repeat">
+      <a:schemeClr val="dk1"/>
+    </dgm:txFillClrLst>
+    <dgm:txEffectClrLst/>
+  </dgm:styleLbl>
+  <dgm:styleLbl name="alignAcc1">
+    <dgm:fillClrLst meth="repeat">
+      <a:schemeClr val="lt1">
+        <a:alpha val="90000"/>
+      </a:schemeClr>
+    </dgm:fillClrLst>
+    <dgm:linClrLst meth="repeat">
+      <a:schemeClr val="accent2"/>
+      <a:schemeClr val="accent3"/>
+      <a:schemeClr val="accent4"/>
+      <a:schemeClr val="accent5"/>
+      <a:schemeClr val="accent6"/>
+    </dgm:linClrLst>
+    <dgm:effectClrLst/>
+    <dgm:txLinClrLst/>
+    <dgm:txFillClrLst meth="repeat">
+      <a:schemeClr val="dk1"/>
+    </dgm:txFillClrLst>
+    <dgm:txEffectClrLst/>
+  </dgm:styleLbl>
+  <dgm:styleLbl name="trAlignAcc1">
+    <dgm:fillClrLst meth="repeat">
+      <a:schemeClr val="lt1">
+        <a:alpha val="40000"/>
+      </a:schemeClr>
+    </dgm:fillClrLst>
+    <dgm:linClrLst meth="repeat">
+      <a:schemeClr val="accent1"/>
+    </dgm:linClrLst>
+    <dgm:effectClrLst/>
+    <dgm:txLinClrLst/>
+    <dgm:txFillClrLst meth="repeat">
+      <a:schemeClr val="dk1"/>
+    </dgm:txFillClrLst>
+    <dgm:txEffectClrLst/>
+  </dgm:styleLbl>
+  <dgm:styleLbl name="bgAcc1">
+    <dgm:fillClrLst meth="repeat">
+      <a:schemeClr val="lt1">
+        <a:alpha val="90000"/>
+      </a:schemeClr>
+    </dgm:fillClrLst>
+    <dgm:linClrLst meth="repeat">
+      <a:schemeClr val="accent2"/>
+      <a:schemeClr val="accent3"/>
+      <a:schemeClr val="accent4"/>
+      <a:schemeClr val="accent5"/>
+      <a:schemeClr val="accent6"/>
+    </dgm:linClrLst>
+    <dgm:effectClrLst/>
+    <dgm:txLinClrLst/>
+    <dgm:txFillClrLst meth="repeat">
+      <a:schemeClr val="dk1"/>
+    </dgm:txFillClrLst>
+    <dgm:txEffectClrLst/>
+  </dgm:styleLbl>
+  <dgm:styleLbl name="solidFgAcc1">
+    <dgm:fillClrLst meth="repeat">
+      <a:schemeClr val="lt1"/>
+    </dgm:fillClrLst>
+    <dgm:linClrLst meth="repeat">
+      <a:schemeClr val="accent2"/>
+      <a:schemeClr val="accent3"/>
+      <a:schemeClr val="accent4"/>
+      <a:schemeClr val="accent5"/>
+      <a:schemeClr val="accent6"/>
+    </dgm:linClrLst>
+    <dgm:effectClrLst/>
+    <dgm:txLinClrLst/>
+    <dgm:txFillClrLst meth="repeat">
+      <a:schemeClr val="dk1"/>
+    </dgm:txFillClrLst>
+    <dgm:txEffectClrLst/>
+  </dgm:styleLbl>
+  <dgm:styleLbl name="solidAlignAcc1">
+    <dgm:fillClrLst meth="repeat">
+      <a:schemeClr val="lt1"/>
+    </dgm:fillClrLst>
+    <dgm:linClrLst meth="repeat">
+      <a:schemeClr val="accent2"/>
+      <a:schemeClr val="accent3"/>
+      <a:schemeClr val="accent4"/>
+      <a:schemeClr val="accent5"/>
+      <a:schemeClr val="accent6"/>
+    </dgm:linClrLst>
+    <dgm:effectClrLst/>
+    <dgm:txLinClrLst/>
+    <dgm:txFillClrLst meth="repeat">
+      <a:schemeClr val="dk1"/>
+    </dgm:txFillClrLst>
+    <dgm:txEffectClrLst/>
+  </dgm:styleLbl>
+  <dgm:styleLbl name="solidBgAcc1">
+    <dgm:fillClrLst meth="repeat">
+      <a:schemeClr val="lt1"/>
+    </dgm:fillClrLst>
+    <dgm:linClrLst meth="repeat">
+      <a:schemeClr val="accent2"/>
+      <a:schemeClr val="accent3"/>
+      <a:schemeClr val="accent4"/>
+      <a:schemeClr val="accent5"/>
+      <a:schemeClr val="accent6"/>
+    </dgm:linClrLst>
+    <dgm:effectClrLst/>
+    <dgm:txLinClrLst/>
+    <dgm:txFillClrLst meth="repeat">
+      <a:schemeClr val="dk1"/>
+    </dgm:txFillClrLst>
+    <dgm:txEffectClrLst/>
+  </dgm:styleLbl>
+  <dgm:styleLbl name="fgAccFollowNode1">
+    <dgm:fillClrLst meth="repeat">
+      <a:schemeClr val="accent2">
+        <a:tint val="40000"/>
+        <a:alpha val="90000"/>
+      </a:schemeClr>
+      <a:schemeClr val="accent3">
+        <a:tint val="40000"/>
+        <a:alpha val="90000"/>
+      </a:schemeClr>
+      <a:schemeClr val="accent4">
+        <a:tint val="40000"/>
+        <a:alpha val="90000"/>
+      </a:schemeClr>
+      <a:schemeClr val="accent5">
+        <a:tint val="40000"/>
+        <a:alpha val="90000"/>
+      </a:schemeClr>
+      <a:schemeClr val="accent6">
+        <a:tint val="40000"/>
+        <a:alpha val="90000"/>
+      </a:schemeClr>
+    </dgm:fillClrLst>
+    <dgm:linClrLst meth="repeat">
+      <a:schemeClr val="accent2">
+        <a:tint val="40000"/>
+        <a:alpha val="90000"/>
+      </a:schemeClr>
+      <a:schemeClr val="accent3">
+        <a:tint val="40000"/>
+        <a:alpha val="90000"/>
+      </a:schemeClr>
+      <a:schemeClr val="accent4">
+        <a:tint val="40000"/>
+        <a:alpha val="90000"/>
+      </a:schemeClr>
+      <a:schemeClr val="accent5">
+        <a:tint val="40000"/>
+        <a:alpha val="90000"/>
+      </a:schemeClr>
+      <a:schemeClr val="accent6">
+        <a:tint val="40000"/>
+        <a:alpha val="90000"/>
+      </a:schemeClr>
+    </dgm:linClrLst>
+    <dgm:effectClrLst/>
+    <dgm:txLinClrLst/>
+    <dgm:txFillClrLst meth="repeat">
+      <a:schemeClr val="dk1"/>
+    </dgm:txFillClrLst>
+    <dgm:txEffectClrLst/>
+  </dgm:styleLbl>
+  <dgm:styleLbl name="alignAccFollowNode1">
+    <dgm:fillClrLst meth="repeat">
+      <a:schemeClr val="accent2">
+        <a:tint val="40000"/>
+        <a:alpha val="90000"/>
+      </a:schemeClr>
+      <a:schemeClr val="accent3">
+        <a:tint val="40000"/>
+        <a:alpha val="90000"/>
+      </a:schemeClr>
+      <a:schemeClr val="accent4">
+        <a:tint val="40000"/>
+        <a:alpha val="90000"/>
+      </a:schemeClr>
+      <a:schemeClr val="accent5">
+        <a:tint val="40000"/>
+        <a:alpha val="90000"/>
+      </a:schemeClr>
+      <a:schemeClr val="accent6">
+        <a:tint val="40000"/>
+        <a:alpha val="90000"/>
+      </a:schemeClr>
+    </dgm:fillClrLst>
+    <dgm:linClrLst meth="repeat">
+      <a:schemeClr val="accent2">
+        <a:tint val="40000"/>
+        <a:alpha val="90000"/>
+      </a:schemeClr>
+      <a:schemeClr val="accent3">
+        <a:tint val="40000"/>
+        <a:alpha val="90000"/>
+      </a:schemeClr>
+      <a:schemeClr val="accent4">
+        <a:tint val="40000"/>
+        <a:alpha val="90000"/>
+      </a:schemeClr>
+      <a:schemeClr val="accent5">
+        <a:tint val="40000"/>
+        <a:alpha val="90000"/>
+      </a:schemeClr>
+      <a:schemeClr val="accent6">
+        <a:tint val="40000"/>
+        <a:alpha val="90000"/>
+      </a:schemeClr>
+    </dgm:linClrLst>
+    <dgm:effectClrLst/>
+    <dgm:txLinClrLst/>
+    <dgm:txFillClrLst meth="repeat">
+      <a:schemeClr val="dk1"/>
+    </dgm:txFillClrLst>
+    <dgm:txEffectClrLst/>
+  </dgm:styleLbl>
+  <dgm:styleLbl name="bgAccFollowNode1">
+    <dgm:fillClrLst meth="repeat">
+      <a:schemeClr val="accent2">
+        <a:tint val="40000"/>
+        <a:alpha val="90000"/>
+      </a:schemeClr>
+      <a:schemeClr val="accent3">
+        <a:tint val="40000"/>
+        <a:alpha val="90000"/>
+      </a:schemeClr>
+      <a:schemeClr val="accent4">
+        <a:tint val="40000"/>
+        <a:alpha val="90000"/>
+      </a:schemeClr>
+      <a:schemeClr val="accent5">
+        <a:tint val="40000"/>
+        <a:alpha val="90000"/>
+      </a:schemeClr>
+      <a:schemeClr val="accent6">
+        <a:tint val="40000"/>
+        <a:alpha val="90000"/>
+      </a:schemeClr>
+    </dgm:fillClrLst>
+    <dgm:linClrLst meth="repeat">
+      <a:schemeClr val="accent2">
+        <a:tint val="40000"/>
+        <a:alpha val="90000"/>
+      </a:schemeClr>
+      <a:schemeClr val="accent3">
+        <a:tint val="40000"/>
+        <a:alpha val="90000"/>
+      </a:schemeClr>
+      <a:schemeClr val="accent4">
+        <a:tint val="40000"/>
+        <a:alpha val="90000"/>
+      </a:schemeClr>
+      <a:schemeClr val="accent5">
+        <a:tint val="40000"/>
+        <a:alpha val="90000"/>
+      </a:schemeClr>
+      <a:schemeClr val="accent6">
+        <a:tint val="40000"/>
+        <a:alpha val="90000"/>
+      </a:schemeClr>
+    </dgm:linClrLst>
+    <dgm:effectClrLst/>
+    <dgm:txLinClrLst/>
+    <dgm:txFillClrLst meth="repeat">
+      <a:schemeClr val="dk1"/>
+    </dgm:txFillClrLst>
+    <dgm:txEffectClrLst/>
+  </dgm:styleLbl>
+  <dgm:styleLbl name="fgAcc0">
+    <dgm:fillClrLst meth="repeat">
+      <a:schemeClr val="lt1">
+        <a:alpha val="90000"/>
+      </a:schemeClr>
+    </dgm:fillClrLst>
+    <dgm:linClrLst>
+      <a:schemeClr val="accent1"/>
+    </dgm:linClrLst>
+    <dgm:effectClrLst/>
+    <dgm:txLinClrLst/>
+    <dgm:txFillClrLst meth="repeat">
+      <a:schemeClr val="dk1"/>
+    </dgm:txFillClrLst>
+    <dgm:txEffectClrLst/>
+  </dgm:styleLbl>
+  <dgm:styleLbl name="fgAcc2">
+    <dgm:fillClrLst meth="repeat">
+      <a:schemeClr val="lt1">
+        <a:alpha val="90000"/>
+      </a:schemeClr>
+    </dgm:fillClrLst>
+    <dgm:linClrLst>
+      <a:schemeClr val="accent2"/>
+    </dgm:linClrLst>
+    <dgm:effectClrLst/>
+    <dgm:txLinClrLst/>
+    <dgm:txFillClrLst meth="repeat">
+      <a:schemeClr val="dk1"/>
+    </dgm:txFillClrLst>
+    <dgm:txEffectClrLst/>
+  </dgm:styleLbl>
+  <dgm:styleLbl name="fgAcc3">
+    <dgm:fillClrLst meth="repeat">
+      <a:schemeClr val="lt1">
+        <a:alpha val="90000"/>
+      </a:schemeClr>
+    </dgm:fillClrLst>
+    <dgm:linClrLst>
+      <a:schemeClr val="accent3"/>
+    </dgm:linClrLst>
+    <dgm:effectClrLst/>
+    <dgm:txLinClrLst/>
+    <dgm:txFillClrLst meth="repeat">
+      <a:schemeClr val="dk1"/>
+    </dgm:txFillClrLst>
+    <dgm:txEffectClrLst/>
+  </dgm:styleLbl>
+  <dgm:styleLbl name="fgAcc4">
+    <dgm:fillClrLst meth="repeat">
+      <a:schemeClr val="lt1">
+        <a:alpha val="90000"/>
+      </a:schemeClr>
+    </dgm:fillClrLst>
+    <dgm:linClrLst>
+      <a:schemeClr val="accent4"/>
+    </dgm:linClrLst>
+    <dgm:effectClrLst/>
+    <dgm:txLinClrLst/>
+    <dgm:txFillClrLst meth="repeat">
+      <a:schemeClr val="dk1"/>
+    </dgm:txFillClrLst>
+    <dgm:txEffectClrLst/>
+  </dgm:styleLbl>
+  <dgm:styleLbl name="bgShp">
+    <dgm:fillClrLst meth="repeat">
+      <a:schemeClr val="accent2">
+        <a:tint val="40000"/>
+      </a:schemeClr>
+    </dgm:fillClrLst>
+    <dgm:linClrLst meth="repeat">
+      <a:schemeClr val="dk1"/>
+    </dgm:linClrLst>
+    <dgm:effectClrLst/>
+    <dgm:txLinClrLst/>
+    <dgm:txFillClrLst meth="repeat">
+      <a:schemeClr val="dk1"/>
+    </dgm:txFillClrLst>
+    <dgm:txEffectClrLst/>
+  </dgm:styleLbl>
+  <dgm:styleLbl name="dkBgShp">
+    <dgm:fillClrLst meth="repeat">
+      <a:schemeClr val="accent2">
+        <a:shade val="90000"/>
+      </a:schemeClr>
+    </dgm:fillClrLst>
+    <dgm:linClrLst meth="repeat">
+      <a:schemeClr val="dk1"/>
+    </dgm:linClrLst>
+    <dgm:effectClrLst/>
+    <dgm:txLinClrLst/>
+    <dgm:txFillClrLst meth="repeat">
+      <a:schemeClr val="lt1"/>
+    </dgm:txFillClrLst>
+    <dgm:txEffectClrLst/>
+  </dgm:styleLbl>
+  <dgm:styleLbl name="trBgShp">
+    <dgm:fillClrLst meth="repeat">
+      <a:schemeClr val="accent1">
+        <a:tint val="50000"/>
+        <a:alpha val="40000"/>
+      </a:schemeClr>
+    </dgm:fillClrLst>
+    <dgm:linClrLst meth="repeat">
+      <a:schemeClr val="accent2"/>
+    </dgm:linClrLst>
+    <dgm:effectClrLst/>
+    <dgm:txLinClrLst/>
+    <dgm:txFillClrLst meth="repeat">
+      <a:schemeClr val="lt1"/>
+    </dgm:txFillClrLst>
+    <dgm:txEffectClrLst/>
+  </dgm:styleLbl>
+  <dgm:styleLbl name="fgShp">
+    <dgm:fillClrLst meth="repeat">
+      <a:schemeClr val="accent2">
+        <a:tint val="40000"/>
+      </a:schemeClr>
+    </dgm:fillClrLst>
+    <dgm:linClrLst meth="repeat">
+      <a:schemeClr val="lt1"/>
+    </dgm:linClrLst>
+    <dgm:effectClrLst/>
+    <dgm:txLinClrLst/>
+    <dgm:txFillClrLst meth="repeat">
+      <a:schemeClr val="dk1"/>
+    </dgm:txFillClrLst>
+    <dgm:txEffectClrLst/>
+  </dgm:styleLbl>
+  <dgm:styleLbl name="revTx">
+    <dgm:fillClrLst meth="repeat">
+      <a:schemeClr val="lt1">
+        <a:alpha val="0"/>
+      </a:schemeClr>
+    </dgm:fillClrLst>
+    <dgm:linClrLst meth="repeat">
+      <a:schemeClr val="dk1">
+        <a:alpha val="0"/>
+      </a:schemeClr>
+    </dgm:linClrLst>
+    <dgm:effectClrLst/>
+    <dgm:txLinClrLst/>
+    <dgm:txFillClrLst meth="repeat">
+      <a:schemeClr val="tx1"/>
+    </dgm:txFillClrLst>
+    <dgm:txEffectClrLst/>
+  </dgm:styleLbl>
+</dgm:colorsDef>
+</file>
+
+<file path=ppt/diagrams/data1.xml><?xml version="1.0" encoding="utf-8"?>
+<dgm:dataModel xmlns:dgm="http://schemas.openxmlformats.org/drawingml/2006/diagram" xmlns:a="http://schemas.openxmlformats.org/drawingml/2006/main">
+  <dgm:ptLst>
+    <dgm:pt modelId="{09AC4845-FB9C-48AB-AA3C-C72E200D6B66}" type="doc">
+      <dgm:prSet loTypeId="urn:microsoft.com/office/officeart/2005/8/layout/equation1" loCatId="relationship" qsTypeId="urn:microsoft.com/office/officeart/2005/8/quickstyle/simple4" qsCatId="simple" csTypeId="urn:microsoft.com/office/officeart/2005/8/colors/colorful1" csCatId="colorful" phldr="1"/>
+      <dgm:spPr/>
+    </dgm:pt>
+    <dgm:pt modelId="{D6218C8E-FB88-4A17-8BD7-22CC33883178}">
+      <dgm:prSet phldrT="[Text]"/>
+      <dgm:spPr/>
+      <dgm:t>
+        <a:bodyPr/>
+        <a:lstStyle/>
+        <a:p>
+          <a:r>
+            <a:rPr lang="en-US" smtClean="0"/>
+            <a:t>LEGO</a:t>
+          </a:r>
+          <a:endParaRPr lang="es-VE"/>
+        </a:p>
+      </dgm:t>
+    </dgm:pt>
+    <dgm:pt modelId="{EE4C802B-1D87-4B48-9B7E-E7D2D8D0EB0C}" type="parTrans" cxnId="{55AB05D0-BA0F-45F9-BC94-D5074A0E2428}">
+      <dgm:prSet/>
+      <dgm:spPr/>
+      <dgm:t>
+        <a:bodyPr/>
+        <a:lstStyle/>
+        <a:p>
+          <a:endParaRPr lang="es-VE"/>
+        </a:p>
+      </dgm:t>
+    </dgm:pt>
+    <dgm:pt modelId="{731451B5-42CC-43E0-8952-2330C5AA0BE3}" type="sibTrans" cxnId="{55AB05D0-BA0F-45F9-BC94-D5074A0E2428}">
+      <dgm:prSet/>
+      <dgm:spPr/>
+      <dgm:t>
+        <a:bodyPr/>
+        <a:lstStyle/>
+        <a:p>
+          <a:endParaRPr lang="es-VE"/>
+        </a:p>
+      </dgm:t>
+    </dgm:pt>
+    <dgm:pt modelId="{3AF8BC19-0D4B-489E-B828-5E3CD0058772}">
+      <dgm:prSet phldrT="[Text]"/>
+      <dgm:spPr/>
+      <dgm:t>
+        <a:bodyPr/>
+        <a:lstStyle/>
+        <a:p>
+          <a:r>
+            <a:rPr lang="en-US" smtClean="0"/>
+            <a:t>MIT-ML</a:t>
+          </a:r>
+          <a:endParaRPr lang="es-VE"/>
+        </a:p>
+      </dgm:t>
+    </dgm:pt>
+    <dgm:pt modelId="{D6FC6FED-AFF3-454A-82CA-4B5AF0C7BF3B}" type="parTrans" cxnId="{13CAA4C6-F637-40DA-92C2-12C476F2DD95}">
+      <dgm:prSet/>
+      <dgm:spPr/>
+      <dgm:t>
+        <a:bodyPr/>
+        <a:lstStyle/>
+        <a:p>
+          <a:endParaRPr lang="es-VE"/>
+        </a:p>
+      </dgm:t>
+    </dgm:pt>
+    <dgm:pt modelId="{76B9F593-94A3-4AB9-8B78-7575E11DA002}" type="sibTrans" cxnId="{13CAA4C6-F637-40DA-92C2-12C476F2DD95}">
+      <dgm:prSet/>
+      <dgm:spPr/>
+      <dgm:t>
+        <a:bodyPr/>
+        <a:lstStyle/>
+        <a:p>
+          <a:endParaRPr lang="es-VE"/>
+        </a:p>
+      </dgm:t>
+    </dgm:pt>
+    <dgm:pt modelId="{FF0396A8-AC04-4A78-9D14-97EA874C6C48}">
+      <dgm:prSet phldrT="[Text]"/>
+      <dgm:spPr/>
+      <dgm:t>
+        <a:bodyPr/>
+        <a:lstStyle/>
+        <a:p>
+          <a:r>
+            <a:rPr lang="en-US" smtClean="0"/>
+            <a:t>RAPEALG</a:t>
+          </a:r>
+          <a:endParaRPr lang="es-VE"/>
+        </a:p>
+      </dgm:t>
+    </dgm:pt>
+    <dgm:pt modelId="{2AEDAD1A-7B90-4362-ABA0-3D7798CF0521}" type="parTrans" cxnId="{F81EE1A6-C7C6-47D1-A758-14B585ACC60F}">
+      <dgm:prSet/>
+      <dgm:spPr/>
+      <dgm:t>
+        <a:bodyPr/>
+        <a:lstStyle/>
+        <a:p>
+          <a:endParaRPr lang="es-VE"/>
+        </a:p>
+      </dgm:t>
+    </dgm:pt>
+    <dgm:pt modelId="{96383430-CBED-4BCC-9A90-43CA01B61A92}" type="sibTrans" cxnId="{F81EE1A6-C7C6-47D1-A758-14B585ACC60F}">
+      <dgm:prSet/>
+      <dgm:spPr/>
+      <dgm:t>
+        <a:bodyPr/>
+        <a:lstStyle/>
+        <a:p>
+          <a:endParaRPr lang="es-VE"/>
+        </a:p>
+      </dgm:t>
+    </dgm:pt>
+    <dgm:pt modelId="{347AA8E2-F117-4775-AD10-4ABD55048330}">
+      <dgm:prSet phldrT="[Text]"/>
+      <dgm:spPr/>
+      <dgm:t>
+        <a:bodyPr/>
+        <a:lstStyle/>
+        <a:p>
+          <a:r>
+            <a:rPr lang="en-US" smtClean="0"/>
+            <a:t>Mindstorms</a:t>
+          </a:r>
+          <a:endParaRPr lang="es-VE"/>
+        </a:p>
+      </dgm:t>
+    </dgm:pt>
+    <dgm:pt modelId="{E041D943-AB15-44E4-9219-DBEDF16798BA}" type="parTrans" cxnId="{534C2F6E-C071-49F8-B69A-ADE44916FF97}">
+      <dgm:prSet/>
+      <dgm:spPr/>
+      <dgm:t>
+        <a:bodyPr/>
+        <a:lstStyle/>
+        <a:p>
+          <a:endParaRPr lang="es-VE"/>
+        </a:p>
+      </dgm:t>
+    </dgm:pt>
+    <dgm:pt modelId="{B0B639CB-C186-413E-906F-96947098F343}" type="sibTrans" cxnId="{534C2F6E-C071-49F8-B69A-ADE44916FF97}">
+      <dgm:prSet/>
+      <dgm:spPr/>
+      <dgm:t>
+        <a:bodyPr/>
+        <a:lstStyle/>
+        <a:p>
+          <a:endParaRPr lang="es-VE"/>
+        </a:p>
+      </dgm:t>
+    </dgm:pt>
+    <dgm:pt modelId="{58F6B7AA-C0C4-480A-BEE2-BAA84F3BAED3}" type="pres">
+      <dgm:prSet presAssocID="{09AC4845-FB9C-48AB-AA3C-C72E200D6B66}" presName="linearFlow" presStyleCnt="0">
+        <dgm:presLayoutVars>
+          <dgm:dir/>
+          <dgm:resizeHandles val="exact"/>
+        </dgm:presLayoutVars>
+      </dgm:prSet>
+      <dgm:spPr/>
+    </dgm:pt>
+    <dgm:pt modelId="{6A7713E8-D040-449C-BA05-83A089D372EB}" type="pres">
+      <dgm:prSet presAssocID="{D6218C8E-FB88-4A17-8BD7-22CC33883178}" presName="node" presStyleLbl="node1" presStyleIdx="0" presStyleCnt="4">
+        <dgm:presLayoutVars>
+          <dgm:bulletEnabled val="1"/>
+        </dgm:presLayoutVars>
+      </dgm:prSet>
+      <dgm:spPr/>
+      <dgm:t>
+        <a:bodyPr/>
+        <a:lstStyle/>
+        <a:p>
+          <a:endParaRPr lang="es-VE"/>
+        </a:p>
+      </dgm:t>
+    </dgm:pt>
+    <dgm:pt modelId="{D6F4C8D4-7930-430B-8867-4CBA3BA1BBCB}" type="pres">
+      <dgm:prSet presAssocID="{731451B5-42CC-43E0-8952-2330C5AA0BE3}" presName="spacerL" presStyleCnt="0"/>
+      <dgm:spPr/>
+    </dgm:pt>
+    <dgm:pt modelId="{9C2AACCD-B1FB-4440-9BB5-2B3ED0C4DB1B}" type="pres">
+      <dgm:prSet presAssocID="{731451B5-42CC-43E0-8952-2330C5AA0BE3}" presName="sibTrans" presStyleLbl="sibTrans2D1" presStyleIdx="0" presStyleCnt="3"/>
+      <dgm:spPr/>
+    </dgm:pt>
+    <dgm:pt modelId="{64BAC41D-7CDB-4711-9EC3-D0C2B99B03F8}" type="pres">
+      <dgm:prSet presAssocID="{731451B5-42CC-43E0-8952-2330C5AA0BE3}" presName="spacerR" presStyleCnt="0"/>
+      <dgm:spPr/>
+    </dgm:pt>
+    <dgm:pt modelId="{0F8237F4-7217-4851-BC02-D710E3AA5594}" type="pres">
+      <dgm:prSet presAssocID="{3AF8BC19-0D4B-489E-B828-5E3CD0058772}" presName="node" presStyleLbl="node1" presStyleIdx="1" presStyleCnt="4">
+        <dgm:presLayoutVars>
+          <dgm:bulletEnabled val="1"/>
+        </dgm:presLayoutVars>
+      </dgm:prSet>
+      <dgm:spPr/>
+    </dgm:pt>
+    <dgm:pt modelId="{E5DA1E14-156F-47A1-BD72-823B7E806162}" type="pres">
+      <dgm:prSet presAssocID="{76B9F593-94A3-4AB9-8B78-7575E11DA002}" presName="spacerL" presStyleCnt="0"/>
+      <dgm:spPr/>
+    </dgm:pt>
+    <dgm:pt modelId="{2232D121-89AB-478F-9699-B534E17C0E1E}" type="pres">
+      <dgm:prSet presAssocID="{76B9F593-94A3-4AB9-8B78-7575E11DA002}" presName="sibTrans" presStyleLbl="sibTrans2D1" presStyleIdx="1" presStyleCnt="3"/>
+      <dgm:spPr/>
+    </dgm:pt>
+    <dgm:pt modelId="{4287DF91-1EF0-4FD2-9C82-8880C962D511}" type="pres">
+      <dgm:prSet presAssocID="{76B9F593-94A3-4AB9-8B78-7575E11DA002}" presName="spacerR" presStyleCnt="0"/>
+      <dgm:spPr/>
+    </dgm:pt>
+    <dgm:pt modelId="{D0D33BC3-3C1E-44E3-92B2-3EC8BC18C9A5}" type="pres">
+      <dgm:prSet presAssocID="{FF0396A8-AC04-4A78-9D14-97EA874C6C48}" presName="node" presStyleLbl="node1" presStyleIdx="2" presStyleCnt="4">
+        <dgm:presLayoutVars>
+          <dgm:bulletEnabled val="1"/>
+        </dgm:presLayoutVars>
+      </dgm:prSet>
+      <dgm:spPr/>
+    </dgm:pt>
+    <dgm:pt modelId="{6A5BED60-0D31-40D7-9024-F8258615D37C}" type="pres">
+      <dgm:prSet presAssocID="{96383430-CBED-4BCC-9A90-43CA01B61A92}" presName="spacerL" presStyleCnt="0"/>
+      <dgm:spPr/>
+    </dgm:pt>
+    <dgm:pt modelId="{E1D04A84-F45E-4076-95E0-AB2482F96112}" type="pres">
+      <dgm:prSet presAssocID="{96383430-CBED-4BCC-9A90-43CA01B61A92}" presName="sibTrans" presStyleLbl="sibTrans2D1" presStyleIdx="2" presStyleCnt="3"/>
+      <dgm:spPr/>
+    </dgm:pt>
+    <dgm:pt modelId="{EBDEDDDA-6D43-4B75-839E-06A3C0E74D08}" type="pres">
+      <dgm:prSet presAssocID="{96383430-CBED-4BCC-9A90-43CA01B61A92}" presName="spacerR" presStyleCnt="0"/>
+      <dgm:spPr/>
+    </dgm:pt>
+    <dgm:pt modelId="{6529DE33-2DD6-48E4-8733-1F521F0040CA}" type="pres">
+      <dgm:prSet presAssocID="{347AA8E2-F117-4775-AD10-4ABD55048330}" presName="node" presStyleLbl="node1" presStyleIdx="3" presStyleCnt="4">
+        <dgm:presLayoutVars>
+          <dgm:bulletEnabled val="1"/>
+        </dgm:presLayoutVars>
+      </dgm:prSet>
+      <dgm:spPr/>
+    </dgm:pt>
+  </dgm:ptLst>
+  <dgm:cxnLst>
+    <dgm:cxn modelId="{534C2F6E-C071-49F8-B69A-ADE44916FF97}" srcId="{09AC4845-FB9C-48AB-AA3C-C72E200D6B66}" destId="{347AA8E2-F117-4775-AD10-4ABD55048330}" srcOrd="3" destOrd="0" parTransId="{E041D943-AB15-44E4-9219-DBEDF16798BA}" sibTransId="{B0B639CB-C186-413E-906F-96947098F343}"/>
+    <dgm:cxn modelId="{F81EE1A6-C7C6-47D1-A758-14B585ACC60F}" srcId="{09AC4845-FB9C-48AB-AA3C-C72E200D6B66}" destId="{FF0396A8-AC04-4A78-9D14-97EA874C6C48}" srcOrd="2" destOrd="0" parTransId="{2AEDAD1A-7B90-4362-ABA0-3D7798CF0521}" sibTransId="{96383430-CBED-4BCC-9A90-43CA01B61A92}"/>
+    <dgm:cxn modelId="{79D3BDA4-57F7-4DCE-AA7C-1355F32DD573}" type="presOf" srcId="{D6218C8E-FB88-4A17-8BD7-22CC33883178}" destId="{6A7713E8-D040-449C-BA05-83A089D372EB}" srcOrd="0" destOrd="0" presId="urn:microsoft.com/office/officeart/2005/8/layout/equation1"/>
+    <dgm:cxn modelId="{3B649CDB-4A2B-4E10-B3DC-8DBF826D689F}" type="presOf" srcId="{347AA8E2-F117-4775-AD10-4ABD55048330}" destId="{6529DE33-2DD6-48E4-8733-1F521F0040CA}" srcOrd="0" destOrd="0" presId="urn:microsoft.com/office/officeart/2005/8/layout/equation1"/>
+    <dgm:cxn modelId="{13CAA4C6-F637-40DA-92C2-12C476F2DD95}" srcId="{09AC4845-FB9C-48AB-AA3C-C72E200D6B66}" destId="{3AF8BC19-0D4B-489E-B828-5E3CD0058772}" srcOrd="1" destOrd="0" parTransId="{D6FC6FED-AFF3-454A-82CA-4B5AF0C7BF3B}" sibTransId="{76B9F593-94A3-4AB9-8B78-7575E11DA002}"/>
+    <dgm:cxn modelId="{D0E1B99C-2219-4950-88BE-4A444834DDBE}" type="presOf" srcId="{FF0396A8-AC04-4A78-9D14-97EA874C6C48}" destId="{D0D33BC3-3C1E-44E3-92B2-3EC8BC18C9A5}" srcOrd="0" destOrd="0" presId="urn:microsoft.com/office/officeart/2005/8/layout/equation1"/>
+    <dgm:cxn modelId="{5B94BA8D-C1BF-4EBE-9C36-13A106C52F87}" type="presOf" srcId="{96383430-CBED-4BCC-9A90-43CA01B61A92}" destId="{E1D04A84-F45E-4076-95E0-AB2482F96112}" srcOrd="0" destOrd="0" presId="urn:microsoft.com/office/officeart/2005/8/layout/equation1"/>
+    <dgm:cxn modelId="{6DB0E4D7-8310-45D4-BA67-601C1A6C1351}" type="presOf" srcId="{76B9F593-94A3-4AB9-8B78-7575E11DA002}" destId="{2232D121-89AB-478F-9699-B534E17C0E1E}" srcOrd="0" destOrd="0" presId="urn:microsoft.com/office/officeart/2005/8/layout/equation1"/>
+    <dgm:cxn modelId="{6A942E4B-5391-4EEB-B989-59EDF31DB4DD}" type="presOf" srcId="{731451B5-42CC-43E0-8952-2330C5AA0BE3}" destId="{9C2AACCD-B1FB-4440-9BB5-2B3ED0C4DB1B}" srcOrd="0" destOrd="0" presId="urn:microsoft.com/office/officeart/2005/8/layout/equation1"/>
+    <dgm:cxn modelId="{55AB05D0-BA0F-45F9-BC94-D5074A0E2428}" srcId="{09AC4845-FB9C-48AB-AA3C-C72E200D6B66}" destId="{D6218C8E-FB88-4A17-8BD7-22CC33883178}" srcOrd="0" destOrd="0" parTransId="{EE4C802B-1D87-4B48-9B7E-E7D2D8D0EB0C}" sibTransId="{731451B5-42CC-43E0-8952-2330C5AA0BE3}"/>
+    <dgm:cxn modelId="{63F1AAF5-E346-4C63-9B5F-3F4C02F8C6E6}" type="presOf" srcId="{3AF8BC19-0D4B-489E-B828-5E3CD0058772}" destId="{0F8237F4-7217-4851-BC02-D710E3AA5594}" srcOrd="0" destOrd="0" presId="urn:microsoft.com/office/officeart/2005/8/layout/equation1"/>
+    <dgm:cxn modelId="{D58A4170-BBC9-4DF3-9A7F-68346D6818E1}" type="presOf" srcId="{09AC4845-FB9C-48AB-AA3C-C72E200D6B66}" destId="{58F6B7AA-C0C4-480A-BEE2-BAA84F3BAED3}" srcOrd="0" destOrd="0" presId="urn:microsoft.com/office/officeart/2005/8/layout/equation1"/>
+    <dgm:cxn modelId="{4AD622BF-0B4E-47D0-8062-565B20443DDB}" type="presParOf" srcId="{58F6B7AA-C0C4-480A-BEE2-BAA84F3BAED3}" destId="{6A7713E8-D040-449C-BA05-83A089D372EB}" srcOrd="0" destOrd="0" presId="urn:microsoft.com/office/officeart/2005/8/layout/equation1"/>
+    <dgm:cxn modelId="{12C6B551-AEB5-425B-81F5-A30929A6A00E}" type="presParOf" srcId="{58F6B7AA-C0C4-480A-BEE2-BAA84F3BAED3}" destId="{D6F4C8D4-7930-430B-8867-4CBA3BA1BBCB}" srcOrd="1" destOrd="0" presId="urn:microsoft.com/office/officeart/2005/8/layout/equation1"/>
+    <dgm:cxn modelId="{ECAFDD29-1D0A-48C4-86A0-58F086893E58}" type="presParOf" srcId="{58F6B7AA-C0C4-480A-BEE2-BAA84F3BAED3}" destId="{9C2AACCD-B1FB-4440-9BB5-2B3ED0C4DB1B}" srcOrd="2" destOrd="0" presId="urn:microsoft.com/office/officeart/2005/8/layout/equation1"/>
+    <dgm:cxn modelId="{B545EB28-8BF7-47B2-AC84-3D036C671D02}" type="presParOf" srcId="{58F6B7AA-C0C4-480A-BEE2-BAA84F3BAED3}" destId="{64BAC41D-7CDB-4711-9EC3-D0C2B99B03F8}" srcOrd="3" destOrd="0" presId="urn:microsoft.com/office/officeart/2005/8/layout/equation1"/>
+    <dgm:cxn modelId="{11627D9E-F6DC-45FE-97C3-79B44C83E2CD}" type="presParOf" srcId="{58F6B7AA-C0C4-480A-BEE2-BAA84F3BAED3}" destId="{0F8237F4-7217-4851-BC02-D710E3AA5594}" srcOrd="4" destOrd="0" presId="urn:microsoft.com/office/officeart/2005/8/layout/equation1"/>
+    <dgm:cxn modelId="{2133090C-666A-4F30-8EBF-90FF4F86BB93}" type="presParOf" srcId="{58F6B7AA-C0C4-480A-BEE2-BAA84F3BAED3}" destId="{E5DA1E14-156F-47A1-BD72-823B7E806162}" srcOrd="5" destOrd="0" presId="urn:microsoft.com/office/officeart/2005/8/layout/equation1"/>
+    <dgm:cxn modelId="{08A750C6-C516-4C0B-B616-5D481E8472F1}" type="presParOf" srcId="{58F6B7AA-C0C4-480A-BEE2-BAA84F3BAED3}" destId="{2232D121-89AB-478F-9699-B534E17C0E1E}" srcOrd="6" destOrd="0" presId="urn:microsoft.com/office/officeart/2005/8/layout/equation1"/>
+    <dgm:cxn modelId="{3BA217A9-F3F5-403C-966C-4C9C46410817}" type="presParOf" srcId="{58F6B7AA-C0C4-480A-BEE2-BAA84F3BAED3}" destId="{4287DF91-1EF0-4FD2-9C82-8880C962D511}" srcOrd="7" destOrd="0" presId="urn:microsoft.com/office/officeart/2005/8/layout/equation1"/>
+    <dgm:cxn modelId="{BB57084A-3E67-4EDD-85ED-F75559DFA5F4}" type="presParOf" srcId="{58F6B7AA-C0C4-480A-BEE2-BAA84F3BAED3}" destId="{D0D33BC3-3C1E-44E3-92B2-3EC8BC18C9A5}" srcOrd="8" destOrd="0" presId="urn:microsoft.com/office/officeart/2005/8/layout/equation1"/>
+    <dgm:cxn modelId="{FCC5E35D-5D11-4426-BCB2-85516565B69C}" type="presParOf" srcId="{58F6B7AA-C0C4-480A-BEE2-BAA84F3BAED3}" destId="{6A5BED60-0D31-40D7-9024-F8258615D37C}" srcOrd="9" destOrd="0" presId="urn:microsoft.com/office/officeart/2005/8/layout/equation1"/>
+    <dgm:cxn modelId="{4D148DB5-ACBA-4720-93D8-E75C62E01925}" type="presParOf" srcId="{58F6B7AA-C0C4-480A-BEE2-BAA84F3BAED3}" destId="{E1D04A84-F45E-4076-95E0-AB2482F96112}" srcOrd="10" destOrd="0" presId="urn:microsoft.com/office/officeart/2005/8/layout/equation1"/>
+    <dgm:cxn modelId="{C5FD0B9F-A1AB-4A14-823B-72AAC7461706}" type="presParOf" srcId="{58F6B7AA-C0C4-480A-BEE2-BAA84F3BAED3}" destId="{EBDEDDDA-6D43-4B75-839E-06A3C0E74D08}" srcOrd="11" destOrd="0" presId="urn:microsoft.com/office/officeart/2005/8/layout/equation1"/>
+    <dgm:cxn modelId="{A9D69C02-0FDE-4169-848C-244D0DDCF250}" type="presParOf" srcId="{58F6B7AA-C0C4-480A-BEE2-BAA84F3BAED3}" destId="{6529DE33-2DD6-48E4-8733-1F521F0040CA}" srcOrd="12" destOrd="0" presId="urn:microsoft.com/office/officeart/2005/8/layout/equation1"/>
+  </dgm:cxnLst>
+  <dgm:bg/>
+  <dgm:whole/>
+  <dgm:extLst>
+    <a:ext uri="http://schemas.microsoft.com/office/drawing/2008/diagram">
+      <dsp:dataModelExt xmlns:dsp="http://schemas.microsoft.com/office/drawing/2008/diagram" relId="rId6" minVer="http://schemas.openxmlformats.org/drawingml/2006/diagram"/>
+    </a:ext>
+  </dgm:extLst>
+</dgm:dataModel>
+</file>
+
+<file path=ppt/diagrams/drawing1.xml><?xml version="1.0" encoding="utf-8"?>
+<dsp:drawing xmlns:dgm="http://schemas.openxmlformats.org/drawingml/2006/diagram" xmlns:dsp="http://schemas.microsoft.com/office/drawing/2008/diagram" xmlns:a="http://schemas.openxmlformats.org/drawingml/2006/main">
+  <dsp:spTree>
+    <dsp:nvGrpSpPr>
+      <dsp:cNvPr id="0" name=""/>
+      <dsp:cNvGrpSpPr/>
+    </dsp:nvGrpSpPr>
+    <dsp:grpSpPr/>
+    <dsp:sp modelId="{6A7713E8-D040-449C-BA05-83A089D372EB}">
+      <dsp:nvSpPr>
+        <dsp:cNvPr id="0" name=""/>
+        <dsp:cNvSpPr/>
+      </dsp:nvSpPr>
+      <dsp:spPr>
+        <a:xfrm>
+          <a:off x="4751" y="1602965"/>
+          <a:ext cx="1320031" cy="1320031"/>
+        </a:xfrm>
+        <a:prstGeom prst="ellipse">
+          <a:avLst/>
+        </a:prstGeom>
+        <a:gradFill rotWithShape="0">
+          <a:gsLst>
+            <a:gs pos="0">
+              <a:schemeClr val="accent2">
+                <a:hueOff val="0"/>
+                <a:satOff val="0"/>
+                <a:lumOff val="0"/>
+                <a:alphaOff val="0"/>
+                <a:shade val="51000"/>
+                <a:satMod val="130000"/>
+              </a:schemeClr>
+            </a:gs>
+            <a:gs pos="80000">
+              <a:schemeClr val="accent2">
+                <a:hueOff val="0"/>
+                <a:satOff val="0"/>
+                <a:lumOff val="0"/>
+                <a:alphaOff val="0"/>
+                <a:shade val="93000"/>
+                <a:satMod val="130000"/>
+              </a:schemeClr>
+            </a:gs>
+            <a:gs pos="100000">
+              <a:schemeClr val="accent2">
+                <a:hueOff val="0"/>
+                <a:satOff val="0"/>
+                <a:lumOff val="0"/>
+                <a:alphaOff val="0"/>
+                <a:shade val="94000"/>
+                <a:satMod val="135000"/>
+              </a:schemeClr>
+            </a:gs>
+          </a:gsLst>
+          <a:lin ang="16200000" scaled="0"/>
+        </a:gradFill>
+        <a:ln>
+          <a:noFill/>
+        </a:ln>
+        <a:effectLst>
+          <a:outerShdw blurRad="40000" dist="23000" dir="5400000" rotWithShape="0">
+            <a:srgbClr val="000000">
+              <a:alpha val="35000"/>
+            </a:srgbClr>
+          </a:outerShdw>
+        </a:effectLst>
+      </dsp:spPr>
+      <dsp:style>
+        <a:lnRef idx="0">
+          <a:scrgbClr r="0" g="0" b="0"/>
+        </a:lnRef>
+        <a:fillRef idx="3">
+          <a:scrgbClr r="0" g="0" b="0"/>
+        </a:fillRef>
+        <a:effectRef idx="2">
+          <a:scrgbClr r="0" g="0" b="0"/>
+        </a:effectRef>
+        <a:fontRef idx="minor">
+          <a:schemeClr val="lt1"/>
+        </a:fontRef>
+      </dsp:style>
+      <dsp:txBody>
+        <a:bodyPr spcFirstLastPara="0" vert="horz" wrap="square" lIns="17780" tIns="17780" rIns="17780" bIns="17780" numCol="1" spcCol="1270" anchor="ctr" anchorCtr="0">
+          <a:noAutofit/>
+        </a:bodyPr>
+        <a:lstStyle/>
+        <a:p>
+          <a:pPr lvl="0" algn="ctr" defTabSz="622300">
+            <a:lnSpc>
+              <a:spcPct val="90000"/>
+            </a:lnSpc>
+            <a:spcBef>
+              <a:spcPct val="0"/>
+            </a:spcBef>
+            <a:spcAft>
+              <a:spcPct val="35000"/>
+            </a:spcAft>
+          </a:pPr>
+          <a:r>
+            <a:rPr lang="en-US" sz="1400" kern="1200" smtClean="0"/>
+            <a:t>LEGO</a:t>
+          </a:r>
+          <a:endParaRPr lang="es-VE" sz="1400" kern="1200"/>
+        </a:p>
+      </dsp:txBody>
+      <dsp:txXfrm>
+        <a:off x="198065" y="1796279"/>
+        <a:ext cx="933403" cy="933403"/>
+      </dsp:txXfrm>
+    </dsp:sp>
+    <dsp:sp modelId="{9C2AACCD-B1FB-4440-9BB5-2B3ED0C4DB1B}">
+      <dsp:nvSpPr>
+        <dsp:cNvPr id="0" name=""/>
+        <dsp:cNvSpPr/>
+      </dsp:nvSpPr>
+      <dsp:spPr>
+        <a:xfrm>
+          <a:off x="1431968" y="1880172"/>
+          <a:ext cx="765618" cy="765618"/>
+        </a:xfrm>
+        <a:prstGeom prst="mathPlus">
+          <a:avLst/>
+        </a:prstGeom>
+        <a:gradFill rotWithShape="0">
+          <a:gsLst>
+            <a:gs pos="0">
+              <a:schemeClr val="accent2">
+                <a:hueOff val="0"/>
+                <a:satOff val="0"/>
+                <a:lumOff val="0"/>
+                <a:alphaOff val="0"/>
+                <a:shade val="51000"/>
+                <a:satMod val="130000"/>
+              </a:schemeClr>
+            </a:gs>
+            <a:gs pos="80000">
+              <a:schemeClr val="accent2">
+                <a:hueOff val="0"/>
+                <a:satOff val="0"/>
+                <a:lumOff val="0"/>
+                <a:alphaOff val="0"/>
+                <a:shade val="93000"/>
+                <a:satMod val="130000"/>
+              </a:schemeClr>
+            </a:gs>
+            <a:gs pos="100000">
+              <a:schemeClr val="accent2">
+                <a:hueOff val="0"/>
+                <a:satOff val="0"/>
+                <a:lumOff val="0"/>
+                <a:alphaOff val="0"/>
+                <a:shade val="94000"/>
+                <a:satMod val="135000"/>
+              </a:schemeClr>
+            </a:gs>
+          </a:gsLst>
+          <a:lin ang="16200000" scaled="0"/>
+        </a:gradFill>
+        <a:ln>
+          <a:noFill/>
+        </a:ln>
+        <a:effectLst>
+          <a:outerShdw blurRad="40000" dist="23000" dir="5400000" rotWithShape="0">
+            <a:srgbClr val="000000">
+              <a:alpha val="35000"/>
+            </a:srgbClr>
+          </a:outerShdw>
+        </a:effectLst>
+      </dsp:spPr>
+      <dsp:style>
+        <a:lnRef idx="0">
+          <a:scrgbClr r="0" g="0" b="0"/>
+        </a:lnRef>
+        <a:fillRef idx="3">
+          <a:scrgbClr r="0" g="0" b="0"/>
+        </a:fillRef>
+        <a:effectRef idx="2">
+          <a:scrgbClr r="0" g="0" b="0"/>
+        </a:effectRef>
+        <a:fontRef idx="minor">
+          <a:schemeClr val="lt1"/>
+        </a:fontRef>
+      </dsp:style>
+      <dsp:txBody>
+        <a:bodyPr spcFirstLastPara="0" vert="horz" wrap="square" lIns="0" tIns="0" rIns="0" bIns="0" numCol="1" spcCol="1270" anchor="ctr" anchorCtr="0">
+          <a:noAutofit/>
+        </a:bodyPr>
+        <a:lstStyle/>
+        <a:p>
+          <a:pPr lvl="0" algn="ctr" defTabSz="488950">
+            <a:lnSpc>
+              <a:spcPct val="90000"/>
+            </a:lnSpc>
+            <a:spcBef>
+              <a:spcPct val="0"/>
+            </a:spcBef>
+            <a:spcAft>
+              <a:spcPct val="35000"/>
+            </a:spcAft>
+          </a:pPr>
+          <a:endParaRPr lang="es-VE" sz="1100" kern="1200"/>
+        </a:p>
+      </dsp:txBody>
+      <dsp:txXfrm>
+        <a:off x="1533451" y="2172944"/>
+        <a:ext cx="562652" cy="180074"/>
+      </dsp:txXfrm>
+    </dsp:sp>
+    <dsp:sp modelId="{0F8237F4-7217-4851-BC02-D710E3AA5594}">
+      <dsp:nvSpPr>
+        <dsp:cNvPr id="0" name=""/>
+        <dsp:cNvSpPr/>
+      </dsp:nvSpPr>
+      <dsp:spPr>
+        <a:xfrm>
+          <a:off x="2304773" y="1602965"/>
+          <a:ext cx="1320031" cy="1320031"/>
+        </a:xfrm>
+        <a:prstGeom prst="ellipse">
+          <a:avLst/>
+        </a:prstGeom>
+        <a:gradFill rotWithShape="0">
+          <a:gsLst>
+            <a:gs pos="0">
+              <a:schemeClr val="accent3">
+                <a:hueOff val="0"/>
+                <a:satOff val="0"/>
+                <a:lumOff val="0"/>
+                <a:alphaOff val="0"/>
+                <a:shade val="51000"/>
+                <a:satMod val="130000"/>
+              </a:schemeClr>
+            </a:gs>
+            <a:gs pos="80000">
+              <a:schemeClr val="accent3">
+                <a:hueOff val="0"/>
+                <a:satOff val="0"/>
+                <a:lumOff val="0"/>
+                <a:alphaOff val="0"/>
+                <a:shade val="93000"/>
+                <a:satMod val="130000"/>
+              </a:schemeClr>
+            </a:gs>
+            <a:gs pos="100000">
+              <a:schemeClr val="accent3">
+                <a:hueOff val="0"/>
+                <a:satOff val="0"/>
+                <a:lumOff val="0"/>
+                <a:alphaOff val="0"/>
+                <a:shade val="94000"/>
+                <a:satMod val="135000"/>
+              </a:schemeClr>
+            </a:gs>
+          </a:gsLst>
+          <a:lin ang="16200000" scaled="0"/>
+        </a:gradFill>
+        <a:ln>
+          <a:noFill/>
+        </a:ln>
+        <a:effectLst>
+          <a:outerShdw blurRad="40000" dist="23000" dir="5400000" rotWithShape="0">
+            <a:srgbClr val="000000">
+              <a:alpha val="35000"/>
+            </a:srgbClr>
+          </a:outerShdw>
+        </a:effectLst>
+      </dsp:spPr>
+      <dsp:style>
+        <a:lnRef idx="0">
+          <a:scrgbClr r="0" g="0" b="0"/>
+        </a:lnRef>
+        <a:fillRef idx="3">
+          <a:scrgbClr r="0" g="0" b="0"/>
+        </a:fillRef>
+        <a:effectRef idx="2">
+          <a:scrgbClr r="0" g="0" b="0"/>
+        </a:effectRef>
+        <a:fontRef idx="minor">
+          <a:schemeClr val="lt1"/>
+        </a:fontRef>
+      </dsp:style>
+      <dsp:txBody>
+        <a:bodyPr spcFirstLastPara="0" vert="horz" wrap="square" lIns="17780" tIns="17780" rIns="17780" bIns="17780" numCol="1" spcCol="1270" anchor="ctr" anchorCtr="0">
+          <a:noAutofit/>
+        </a:bodyPr>
+        <a:lstStyle/>
+        <a:p>
+          <a:pPr lvl="0" algn="ctr" defTabSz="622300">
+            <a:lnSpc>
+              <a:spcPct val="90000"/>
+            </a:lnSpc>
+            <a:spcBef>
+              <a:spcPct val="0"/>
+            </a:spcBef>
+            <a:spcAft>
+              <a:spcPct val="35000"/>
+            </a:spcAft>
+          </a:pPr>
+          <a:r>
+            <a:rPr lang="en-US" sz="1400" kern="1200" smtClean="0"/>
+            <a:t>MIT-ML</a:t>
+          </a:r>
+          <a:endParaRPr lang="es-VE" sz="1400" kern="1200"/>
+        </a:p>
+      </dsp:txBody>
+      <dsp:txXfrm>
+        <a:off x="2498087" y="1796279"/>
+        <a:ext cx="933403" cy="933403"/>
+      </dsp:txXfrm>
+    </dsp:sp>
+    <dsp:sp modelId="{2232D121-89AB-478F-9699-B534E17C0E1E}">
+      <dsp:nvSpPr>
+        <dsp:cNvPr id="0" name=""/>
+        <dsp:cNvSpPr/>
+      </dsp:nvSpPr>
+      <dsp:spPr>
+        <a:xfrm>
+          <a:off x="3731990" y="1880172"/>
+          <a:ext cx="765618" cy="765618"/>
+        </a:xfrm>
+        <a:prstGeom prst="mathPlus">
+          <a:avLst/>
+        </a:prstGeom>
+        <a:gradFill rotWithShape="0">
+          <a:gsLst>
+            <a:gs pos="0">
+              <a:schemeClr val="accent3">
+                <a:hueOff val="0"/>
+                <a:satOff val="0"/>
+                <a:lumOff val="0"/>
+                <a:alphaOff val="0"/>
+                <a:shade val="51000"/>
+                <a:satMod val="130000"/>
+              </a:schemeClr>
+            </a:gs>
+            <a:gs pos="80000">
+              <a:schemeClr val="accent3">
+                <a:hueOff val="0"/>
+                <a:satOff val="0"/>
+                <a:lumOff val="0"/>
+                <a:alphaOff val="0"/>
+                <a:shade val="93000"/>
+                <a:satMod val="130000"/>
+              </a:schemeClr>
+            </a:gs>
+            <a:gs pos="100000">
+              <a:schemeClr val="accent3">
+                <a:hueOff val="0"/>
+                <a:satOff val="0"/>
+                <a:lumOff val="0"/>
+                <a:alphaOff val="0"/>
+                <a:shade val="94000"/>
+                <a:satMod val="135000"/>
+              </a:schemeClr>
+            </a:gs>
+          </a:gsLst>
+          <a:lin ang="16200000" scaled="0"/>
+        </a:gradFill>
+        <a:ln>
+          <a:noFill/>
+        </a:ln>
+        <a:effectLst>
+          <a:outerShdw blurRad="40000" dist="23000" dir="5400000" rotWithShape="0">
+            <a:srgbClr val="000000">
+              <a:alpha val="35000"/>
+            </a:srgbClr>
+          </a:outerShdw>
+        </a:effectLst>
+      </dsp:spPr>
+      <dsp:style>
+        <a:lnRef idx="0">
+          <a:scrgbClr r="0" g="0" b="0"/>
+        </a:lnRef>
+        <a:fillRef idx="3">
+          <a:scrgbClr r="0" g="0" b="0"/>
+        </a:fillRef>
+        <a:effectRef idx="2">
+          <a:scrgbClr r="0" g="0" b="0"/>
+        </a:effectRef>
+        <a:fontRef idx="minor">
+          <a:schemeClr val="lt1"/>
+        </a:fontRef>
+      </dsp:style>
+      <dsp:txBody>
+        <a:bodyPr spcFirstLastPara="0" vert="horz" wrap="square" lIns="0" tIns="0" rIns="0" bIns="0" numCol="1" spcCol="1270" anchor="ctr" anchorCtr="0">
+          <a:noAutofit/>
+        </a:bodyPr>
+        <a:lstStyle/>
+        <a:p>
+          <a:pPr lvl="0" algn="ctr" defTabSz="488950">
+            <a:lnSpc>
+              <a:spcPct val="90000"/>
+            </a:lnSpc>
+            <a:spcBef>
+              <a:spcPct val="0"/>
+            </a:spcBef>
+            <a:spcAft>
+              <a:spcPct val="35000"/>
+            </a:spcAft>
+          </a:pPr>
+          <a:endParaRPr lang="es-VE" sz="1100" kern="1200"/>
+        </a:p>
+      </dsp:txBody>
+      <dsp:txXfrm>
+        <a:off x="3833473" y="2172944"/>
+        <a:ext cx="562652" cy="180074"/>
+      </dsp:txXfrm>
+    </dsp:sp>
+    <dsp:sp modelId="{D0D33BC3-3C1E-44E3-92B2-3EC8BC18C9A5}">
+      <dsp:nvSpPr>
+        <dsp:cNvPr id="0" name=""/>
+        <dsp:cNvSpPr/>
+      </dsp:nvSpPr>
+      <dsp:spPr>
+        <a:xfrm>
+          <a:off x="4604795" y="1602965"/>
+          <a:ext cx="1320031" cy="1320031"/>
+        </a:xfrm>
+        <a:prstGeom prst="ellipse">
+          <a:avLst/>
+        </a:prstGeom>
+        <a:gradFill rotWithShape="0">
+          <a:gsLst>
+            <a:gs pos="0">
+              <a:schemeClr val="accent4">
+                <a:hueOff val="0"/>
+                <a:satOff val="0"/>
+                <a:lumOff val="0"/>
+                <a:alphaOff val="0"/>
+                <a:shade val="51000"/>
+                <a:satMod val="130000"/>
+              </a:schemeClr>
+            </a:gs>
+            <a:gs pos="80000">
+              <a:schemeClr val="accent4">
+                <a:hueOff val="0"/>
+                <a:satOff val="0"/>
+                <a:lumOff val="0"/>
+                <a:alphaOff val="0"/>
+                <a:shade val="93000"/>
+                <a:satMod val="130000"/>
+              </a:schemeClr>
+            </a:gs>
+            <a:gs pos="100000">
+              <a:schemeClr val="accent4">
+                <a:hueOff val="0"/>
+                <a:satOff val="0"/>
+                <a:lumOff val="0"/>
+                <a:alphaOff val="0"/>
+                <a:shade val="94000"/>
+                <a:satMod val="135000"/>
+              </a:schemeClr>
+            </a:gs>
+          </a:gsLst>
+          <a:lin ang="16200000" scaled="0"/>
+        </a:gradFill>
+        <a:ln>
+          <a:noFill/>
+        </a:ln>
+        <a:effectLst>
+          <a:outerShdw blurRad="40000" dist="23000" dir="5400000" rotWithShape="0">
+            <a:srgbClr val="000000">
+              <a:alpha val="35000"/>
+            </a:srgbClr>
+          </a:outerShdw>
+        </a:effectLst>
+      </dsp:spPr>
+      <dsp:style>
+        <a:lnRef idx="0">
+          <a:scrgbClr r="0" g="0" b="0"/>
+        </a:lnRef>
+        <a:fillRef idx="3">
+          <a:scrgbClr r="0" g="0" b="0"/>
+        </a:fillRef>
+        <a:effectRef idx="2">
+          <a:scrgbClr r="0" g="0" b="0"/>
+        </a:effectRef>
+        <a:fontRef idx="minor">
+          <a:schemeClr val="lt1"/>
+        </a:fontRef>
+      </dsp:style>
+      <dsp:txBody>
+        <a:bodyPr spcFirstLastPara="0" vert="horz" wrap="square" lIns="17780" tIns="17780" rIns="17780" bIns="17780" numCol="1" spcCol="1270" anchor="ctr" anchorCtr="0">
+          <a:noAutofit/>
+        </a:bodyPr>
+        <a:lstStyle/>
+        <a:p>
+          <a:pPr lvl="0" algn="ctr" defTabSz="622300">
+            <a:lnSpc>
+              <a:spcPct val="90000"/>
+            </a:lnSpc>
+            <a:spcBef>
+              <a:spcPct val="0"/>
+            </a:spcBef>
+            <a:spcAft>
+              <a:spcPct val="35000"/>
+            </a:spcAft>
+          </a:pPr>
+          <a:r>
+            <a:rPr lang="en-US" sz="1400" kern="1200" smtClean="0"/>
+            <a:t>RAPEALG</a:t>
+          </a:r>
+          <a:endParaRPr lang="es-VE" sz="1400" kern="1200"/>
+        </a:p>
+      </dsp:txBody>
+      <dsp:txXfrm>
+        <a:off x="4798109" y="1796279"/>
+        <a:ext cx="933403" cy="933403"/>
+      </dsp:txXfrm>
+    </dsp:sp>
+    <dsp:sp modelId="{E1D04A84-F45E-4076-95E0-AB2482F96112}">
+      <dsp:nvSpPr>
+        <dsp:cNvPr id="0" name=""/>
+        <dsp:cNvSpPr/>
+      </dsp:nvSpPr>
+      <dsp:spPr>
+        <a:xfrm>
+          <a:off x="6032013" y="1880172"/>
+          <a:ext cx="765618" cy="765618"/>
+        </a:xfrm>
+        <a:prstGeom prst="mathEqual">
+          <a:avLst/>
+        </a:prstGeom>
+        <a:gradFill rotWithShape="0">
+          <a:gsLst>
+            <a:gs pos="0">
+              <a:schemeClr val="accent4">
+                <a:hueOff val="0"/>
+                <a:satOff val="0"/>
+                <a:lumOff val="0"/>
+                <a:alphaOff val="0"/>
+                <a:shade val="51000"/>
+                <a:satMod val="130000"/>
+              </a:schemeClr>
+            </a:gs>
+            <a:gs pos="80000">
+              <a:schemeClr val="accent4">
+                <a:hueOff val="0"/>
+                <a:satOff val="0"/>
+                <a:lumOff val="0"/>
+                <a:alphaOff val="0"/>
+                <a:shade val="93000"/>
+                <a:satMod val="130000"/>
+              </a:schemeClr>
+            </a:gs>
+            <a:gs pos="100000">
+              <a:schemeClr val="accent4">
+                <a:hueOff val="0"/>
+                <a:satOff val="0"/>
+                <a:lumOff val="0"/>
+                <a:alphaOff val="0"/>
+                <a:shade val="94000"/>
+                <a:satMod val="135000"/>
+              </a:schemeClr>
+            </a:gs>
+          </a:gsLst>
+          <a:lin ang="16200000" scaled="0"/>
+        </a:gradFill>
+        <a:ln>
+          <a:noFill/>
+        </a:ln>
+        <a:effectLst>
+          <a:outerShdw blurRad="40000" dist="23000" dir="5400000" rotWithShape="0">
+            <a:srgbClr val="000000">
+              <a:alpha val="35000"/>
+            </a:srgbClr>
+          </a:outerShdw>
+        </a:effectLst>
+      </dsp:spPr>
+      <dsp:style>
+        <a:lnRef idx="0">
+          <a:scrgbClr r="0" g="0" b="0"/>
+        </a:lnRef>
+        <a:fillRef idx="3">
+          <a:scrgbClr r="0" g="0" b="0"/>
+        </a:fillRef>
+        <a:effectRef idx="2">
+          <a:scrgbClr r="0" g="0" b="0"/>
+        </a:effectRef>
+        <a:fontRef idx="minor">
+          <a:schemeClr val="lt1"/>
+        </a:fontRef>
+      </dsp:style>
+      <dsp:txBody>
+        <a:bodyPr spcFirstLastPara="0" vert="horz" wrap="square" lIns="0" tIns="0" rIns="0" bIns="0" numCol="1" spcCol="1270" anchor="ctr" anchorCtr="0">
+          <a:noAutofit/>
+        </a:bodyPr>
+        <a:lstStyle/>
+        <a:p>
+          <a:pPr lvl="0" algn="ctr" defTabSz="488950">
+            <a:lnSpc>
+              <a:spcPct val="90000"/>
+            </a:lnSpc>
+            <a:spcBef>
+              <a:spcPct val="0"/>
+            </a:spcBef>
+            <a:spcAft>
+              <a:spcPct val="35000"/>
+            </a:spcAft>
+          </a:pPr>
+          <a:endParaRPr lang="es-VE" sz="1100" kern="1200"/>
+        </a:p>
+      </dsp:txBody>
+      <dsp:txXfrm>
+        <a:off x="6133496" y="2037889"/>
+        <a:ext cx="562652" cy="450184"/>
+      </dsp:txXfrm>
+    </dsp:sp>
+    <dsp:sp modelId="{6529DE33-2DD6-48E4-8733-1F521F0040CA}">
+      <dsp:nvSpPr>
+        <dsp:cNvPr id="0" name=""/>
+        <dsp:cNvSpPr/>
+      </dsp:nvSpPr>
+      <dsp:spPr>
+        <a:xfrm>
+          <a:off x="6904817" y="1602965"/>
+          <a:ext cx="1320031" cy="1320031"/>
+        </a:xfrm>
+        <a:prstGeom prst="ellipse">
+          <a:avLst/>
+        </a:prstGeom>
+        <a:gradFill rotWithShape="0">
+          <a:gsLst>
+            <a:gs pos="0">
+              <a:schemeClr val="accent5">
+                <a:hueOff val="0"/>
+                <a:satOff val="0"/>
+                <a:lumOff val="0"/>
+                <a:alphaOff val="0"/>
+                <a:shade val="51000"/>
+                <a:satMod val="130000"/>
+              </a:schemeClr>
+            </a:gs>
+            <a:gs pos="80000">
+              <a:schemeClr val="accent5">
+                <a:hueOff val="0"/>
+                <a:satOff val="0"/>
+                <a:lumOff val="0"/>
+                <a:alphaOff val="0"/>
+                <a:shade val="93000"/>
+                <a:satMod val="130000"/>
+              </a:schemeClr>
+            </a:gs>
+            <a:gs pos="100000">
+              <a:schemeClr val="accent5">
+                <a:hueOff val="0"/>
+                <a:satOff val="0"/>
+                <a:lumOff val="0"/>
+                <a:alphaOff val="0"/>
+                <a:shade val="94000"/>
+                <a:satMod val="135000"/>
+              </a:schemeClr>
+            </a:gs>
+          </a:gsLst>
+          <a:lin ang="16200000" scaled="0"/>
+        </a:gradFill>
+        <a:ln>
+          <a:noFill/>
+        </a:ln>
+        <a:effectLst>
+          <a:outerShdw blurRad="40000" dist="23000" dir="5400000" rotWithShape="0">
+            <a:srgbClr val="000000">
+              <a:alpha val="35000"/>
+            </a:srgbClr>
+          </a:outerShdw>
+        </a:effectLst>
+      </dsp:spPr>
+      <dsp:style>
+        <a:lnRef idx="0">
+          <a:scrgbClr r="0" g="0" b="0"/>
+        </a:lnRef>
+        <a:fillRef idx="3">
+          <a:scrgbClr r="0" g="0" b="0"/>
+        </a:fillRef>
+        <a:effectRef idx="2">
+          <a:scrgbClr r="0" g="0" b="0"/>
+        </a:effectRef>
+        <a:fontRef idx="minor">
+          <a:schemeClr val="lt1"/>
+        </a:fontRef>
+      </dsp:style>
+      <dsp:txBody>
+        <a:bodyPr spcFirstLastPara="0" vert="horz" wrap="square" lIns="17780" tIns="17780" rIns="17780" bIns="17780" numCol="1" spcCol="1270" anchor="ctr" anchorCtr="0">
+          <a:noAutofit/>
+        </a:bodyPr>
+        <a:lstStyle/>
+        <a:p>
+          <a:pPr lvl="0" algn="ctr" defTabSz="622300">
+            <a:lnSpc>
+              <a:spcPct val="90000"/>
+            </a:lnSpc>
+            <a:spcBef>
+              <a:spcPct val="0"/>
+            </a:spcBef>
+            <a:spcAft>
+              <a:spcPct val="35000"/>
+            </a:spcAft>
+          </a:pPr>
+          <a:r>
+            <a:rPr lang="en-US" sz="1400" kern="1200" smtClean="0"/>
+            <a:t>Mindstorms</a:t>
+          </a:r>
+          <a:endParaRPr lang="es-VE" sz="1400" kern="1200"/>
+        </a:p>
+      </dsp:txBody>
+      <dsp:txXfrm>
+        <a:off x="7098131" y="1796279"/>
+        <a:ext cx="933403" cy="933403"/>
+      </dsp:txXfrm>
+    </dsp:sp>
+  </dsp:spTree>
+</dsp:drawing>
+</file>
+
+<file path=ppt/diagrams/layout1.xml><?xml version="1.0" encoding="utf-8"?>
+<dgm:layoutDef xmlns:dgm="http://schemas.openxmlformats.org/drawingml/2006/diagram" xmlns:a="http://schemas.openxmlformats.org/drawingml/2006/main" uniqueId="urn:microsoft.com/office/officeart/2005/8/layout/equation1">
+  <dgm:title val=""/>
+  <dgm:desc val=""/>
+  <dgm:catLst>
+    <dgm:cat type="relationship" pri="17000"/>
+    <dgm:cat type="process" pri="25000"/>
+  </dgm:catLst>
+  <dgm:sampData useDef="1">
+    <dgm:dataModel>
+      <dgm:ptLst/>
+      <dgm:bg/>
+      <dgm:whole/>
+    </dgm:dataModel>
+  </dgm:sampData>
+  <dgm:styleData>
+    <dgm:dataModel>
+      <dgm:ptLst>
+        <dgm:pt modelId="0" type="doc"/>
+        <dgm:pt modelId="1"/>
+        <dgm:pt modelId="2"/>
+      </dgm:ptLst>
+      <dgm:cxnLst>
+        <dgm:cxn modelId="3" srcId="0" destId="1" srcOrd="0" destOrd="0"/>
+        <dgm:cxn modelId="4" srcId="0" destId="2" srcOrd="1" destOrd="0"/>
+      </dgm:cxnLst>
+      <dgm:bg/>
+      <dgm:whole/>
+    </dgm:dataModel>
+  </dgm:styleData>
+  <dgm:clrData>
+    <dgm:dataModel>
+      <dgm:ptLst>
+        <dgm:pt modelId="0" type="doc"/>
+        <dgm:pt modelId="1"/>
+        <dgm:pt modelId="2"/>
+        <dgm:pt modelId="3"/>
+        <dgm:pt modelId="4"/>
+      </dgm:ptLst>
+      <dgm:cxnLst>
+        <dgm:cxn modelId="5" srcId="0" destId="1" srcOrd="0" destOrd="0"/>
+        <dgm:cxn modelId="6" srcId="0" destId="2" srcOrd="1" destOrd="0"/>
+        <dgm:cxn modelId="7" srcId="0" destId="3" srcOrd="2" destOrd="0"/>
+        <dgm:cxn modelId="8" srcId="0" destId="4" srcOrd="3" destOrd="0"/>
+      </dgm:cxnLst>
+      <dgm:bg/>
+      <dgm:whole/>
+    </dgm:dataModel>
+  </dgm:clrData>
+  <dgm:layoutNode name="linearFlow">
+    <dgm:varLst>
+      <dgm:dir/>
+      <dgm:resizeHandles val="exact"/>
+    </dgm:varLst>
+    <dgm:choose name="Name0">
+      <dgm:if name="Name1" func="var" arg="dir" op="equ" val="norm">
+        <dgm:alg type="lin">
+          <dgm:param type="fallback" val="2D"/>
+        </dgm:alg>
+      </dgm:if>
+      <dgm:else name="Name2">
+        <dgm:alg type="lin">
+          <dgm:param type="linDir" val="fromR"/>
+          <dgm:param type="fallback" val="2D"/>
+        </dgm:alg>
+      </dgm:else>
+    </dgm:choose>
+    <dgm:shape xmlns:r="http://schemas.openxmlformats.org/officeDocument/2006/relationships" r:blip="">
+      <dgm:adjLst/>
+    </dgm:shape>
+    <dgm:presOf/>
+    <dgm:constrLst>
+      <dgm:constr type="w" for="ch" ptType="node" refType="w"/>
+      <dgm:constr type="w" for="ch" ptType="sibTrans" refType="w" refFor="ch" refPtType="node" fact="0.58"/>
+      <dgm:constr type="primFontSz" for="ch" ptType="node" op="equ" val="65"/>
+      <dgm:constr type="primFontSz" for="ch" ptType="sibTrans" op="equ" val="55"/>
+      <dgm:constr type="primFontSz" for="ch" ptType="sibTrans" refType="primFontSz" refFor="ch" refPtType="node" op="lte" fact="0.8"/>
+      <dgm:constr type="w" for="ch" forName="spacerL" refType="w" refFor="ch" refPtType="sibTrans" fact="0.14"/>
+      <dgm:constr type="w" for="ch" forName="spacerR" refType="w" refFor="ch" refPtType="sibTrans" fact="0.14"/>
+    </dgm:constrLst>
+    <dgm:ruleLst/>
+    <dgm:forEach name="nodesForEach" axis="ch" ptType="node">
+      <dgm:layoutNode name="node">
+        <dgm:varLst>
+          <dgm:bulletEnabled val="1"/>
+        </dgm:varLst>
+        <dgm:alg type="tx">
+          <dgm:param type="txAnchorVertCh" val="mid"/>
+        </dgm:alg>
+        <dgm:shape xmlns:r="http://schemas.openxmlformats.org/officeDocument/2006/relationships" type="ellipse" r:blip="">
+          <dgm:adjLst/>
+        </dgm:shape>
+        <dgm:presOf axis="desOrSelf" ptType="node"/>
+        <dgm:constrLst>
+          <dgm:constr type="h" refType="w"/>
+          <dgm:constr type="tMarg" refType="primFontSz" fact="0.1"/>
+          <dgm:constr type="bMarg" refType="primFontSz" fact="0.1"/>
+          <dgm:constr type="lMarg" refType="primFontSz" fact="0.1"/>
+          <dgm:constr type="rMarg" refType="primFontSz" fact="0.1"/>
+        </dgm:constrLst>
+        <dgm:ruleLst>
+          <dgm:rule type="primFontSz" val="5" fact="NaN" max="NaN"/>
+        </dgm:ruleLst>
+      </dgm:layoutNode>
+      <dgm:forEach name="sibTransForEach" axis="followSib" ptType="sibTrans" cnt="1">
+        <dgm:layoutNode name="spacerL">
+          <dgm:alg type="sp"/>
+          <dgm:shape xmlns:r="http://schemas.openxmlformats.org/officeDocument/2006/relationships" r:blip="">
+            <dgm:adjLst/>
+          </dgm:shape>
+          <dgm:presOf/>
+          <dgm:constrLst/>
+          <dgm:ruleLst/>
+        </dgm:layoutNode>
+        <dgm:layoutNode name="sibTrans">
+          <dgm:alg type="tx"/>
+          <dgm:choose name="Name3">
+            <dgm:if name="Name4" axis="followSib" ptType="sibTrans" func="cnt" op="equ" val="0">
+              <dgm:shape xmlns:r="http://schemas.openxmlformats.org/officeDocument/2006/relationships" type="mathEqual" r:blip="">
+                <dgm:adjLst/>
+              </dgm:shape>
+            </dgm:if>
+            <dgm:else name="Name5">
+              <dgm:shape xmlns:r="http://schemas.openxmlformats.org/officeDocument/2006/relationships" type="mathPlus" r:blip="">
+                <dgm:adjLst/>
+              </dgm:shape>
+            </dgm:else>
+          </dgm:choose>
+          <dgm:presOf axis="self"/>
+          <dgm:constrLst>
+            <dgm:constr type="h" refType="w"/>
+            <dgm:constr type="lMarg"/>
+            <dgm:constr type="rMarg"/>
+            <dgm:constr type="tMarg"/>
+            <dgm:constr type="bMarg"/>
+          </dgm:constrLst>
+          <dgm:ruleLst>
+            <dgm:rule type="primFontSz" val="5" fact="NaN" max="NaN"/>
+          </dgm:ruleLst>
+        </dgm:layoutNode>
+        <dgm:layoutNode name="spacerR">
+          <dgm:alg type="sp"/>
+          <dgm:shape xmlns:r="http://schemas.openxmlformats.org/officeDocument/2006/relationships" r:blip="">
+            <dgm:adjLst/>
+          </dgm:shape>
+          <dgm:presOf/>
+          <dgm:constrLst/>
+          <dgm:ruleLst/>
+        </dgm:layoutNode>
+      </dgm:forEach>
+    </dgm:forEach>
+  </dgm:layoutNode>
+</dgm:layoutDef>
+</file>
+
+<file path=ppt/diagrams/quickStyle1.xml><?xml version="1.0" encoding="utf-8"?>
+<dgm:styleDef xmlns:dgm="http://schemas.openxmlformats.org/drawingml/2006/diagram" xmlns:a="http://schemas.openxmlformats.org/drawingml/2006/main" uniqueId="urn:microsoft.com/office/officeart/2005/8/quickstyle/simple4">
+  <dgm:title val=""/>
+  <dgm:desc val=""/>
+  <dgm:catLst>
+    <dgm:cat type="simple" pri="10400"/>
+  </dgm:catLst>
+  <dgm:scene3d>
+    <a:camera prst="orthographicFront"/>
+    <a:lightRig rig="threePt" dir="t"/>
+  </dgm:scene3d>
+  <dgm:styleLbl name="node0">
+    <dgm:scene3d>
+      <a:camera prst="orthographicFront"/>
+      <a:lightRig rig="threePt" dir="t"/>
+    </dgm:scene3d>
+    <dgm:sp3d/>
+    <dgm:txPr/>
+    <dgm:style>
+      <a:lnRef idx="0">
+        <a:scrgbClr r="0" g="0" b="0"/>
+      </a:lnRef>
+      <a:fillRef idx="3">
+        <a:scrgbClr r="0" g="0" b="0"/>
+      </a:fillRef>
+      <a:effectRef idx="2">
+        <a:scrgbClr r="0" g="0" b="0"/>
+      </a:effectRef>
+      <a:fontRef idx="minor">
+        <a:schemeClr val="lt1"/>
+      </a:fontRef>
+    </dgm:style>
+  </dgm:styleLbl>
+  <dgm:styleLbl name="lnNode1">
+    <dgm:scene3d>
+      <a:camera prst="orthographicFront"/>
+      <a:lightRig rig="threePt" dir="t"/>
+    </dgm:scene3d>
+    <dgm:sp3d/>
+    <dgm:txPr/>
+    <dgm:style>
+      <a:lnRef idx="1">
+        <a:scrgbClr r="0" g="0" b="0"/>
+      </a:lnRef>
+      <a:fillRef idx="3">
+        <a:scrgbClr r="0" g="0" b="0"/>
+      </a:fillRef>
+      <a:effectRef idx="2">
+        <a:scrgbClr r="0" g="0" b="0"/>
+      </a:effectRef>
+      <a:fontRef idx="minor">
+        <a:schemeClr val="lt1"/>
+      </a:fontRef>
+    </dgm:style>
+  </dgm:styleLbl>
+  <dgm:styleLbl name="vennNode1">
+    <dgm:scene3d>
+      <a:camera prst="orthographicFront"/>
+      <a:lightRig rig="threePt" dir="t"/>
+    </dgm:scene3d>
+    <dgm:sp3d/>
+    <dgm:txPr/>
+    <dgm:style>
+      <a:lnRef idx="0">
+        <a:scrgbClr r="0" g="0" b="0"/>
+      </a:lnRef>
+      <a:fillRef idx="3">
+        <a:scrgbClr r="0" g="0" b="0"/>
+      </a:fillRef>
+      <a:effectRef idx="0">
+        <a:scrgbClr r="0" g="0" b="0"/>
+      </a:effectRef>
+      <a:fontRef idx="minor">
+        <a:schemeClr val="tx1"/>
+      </a:fontRef>
+    </dgm:style>
+  </dgm:styleLbl>
+  <dgm:styleLbl name="alignNode1">
+    <dgm:scene3d>
+      <a:camera prst="orthographicFront"/>
+      <a:lightRig rig="threePt" dir="t"/>
+    </dgm:scene3d>
+    <dgm:sp3d/>
+    <dgm:txPr/>
+    <dgm:style>
+      <a:lnRef idx="1">
+        <a:scrgbClr r="0" g="0" b="0"/>
+      </a:lnRef>
+      <a:fillRef idx="3">
+        <a:scrgbClr r="0" g="0" b="0"/>
+      </a:fillRef>
+      <a:effectRef idx="2">
+        <a:scrgbClr r="0" g="0" b="0"/>
+      </a:effectRef>
+      <a:fontRef idx="minor">
+        <a:schemeClr val="lt1"/>
+      </a:fontRef>
+    </dgm:style>
+  </dgm:styleLbl>
+  <dgm:styleLbl name="node1">
+    <dgm:scene3d>
+      <a:camera prst="orthographicFront"/>
+      <a:lightRig rig="threePt" dir="t"/>
+    </dgm:scene3d>
+    <dgm:sp3d/>
+    <dgm:txPr/>
+    <dgm:style>
+      <a:lnRef idx="0">
+        <a:scrgbClr r="0" g="0" b="0"/>
+      </a:lnRef>
+      <a:fillRef idx="3">
+        <a:scrgbClr r="0" g="0" b="0"/>
+      </a:fillRef>
+      <a:effectRef idx="2">
+        <a:scrgbClr r="0" g="0" b="0"/>
+      </a:effectRef>
+      <a:fontRef idx="minor">
+        <a:schemeClr val="lt1"/>
+      </a:fontRef>
+    </dgm:style>
+  </dgm:styleLbl>
+  <dgm:styleLbl name="node2">
+    <dgm:scene3d>
+      <a:camera prst="orthographicFront"/>
+      <a:lightRig rig="threePt" dir="t"/>
+    </dgm:scene3d>
+    <dgm:sp3d/>
+    <dgm:txPr/>
+    <dgm:style>
+      <a:lnRef idx="0">
+        <a:scrgbClr r="0" g="0" b="0"/>
+      </a:lnRef>
+      <a:fillRef idx="3">
+        <a:scrgbClr r="0" g="0" b="0"/>
+      </a:fillRef>
+      <a:effectRef idx="2">
+        <a:scrgbClr r="0" g="0" b="0"/>
+      </a:effectRef>
+      <a:fontRef idx="minor">
+        <a:schemeClr val="lt1"/>
+      </a:fontRef>
+    </dgm:style>
+  </dgm:styleLbl>
+  <dgm:styleLbl name="node3">
+    <dgm:scene3d>
+      <a:camera prst="orthographicFront"/>
+      <a:lightRig rig="threePt" dir="t"/>
+    </dgm:scene3d>
+    <dgm:sp3d/>
+    <dgm:txPr/>
+    <dgm:style>
+      <a:lnRef idx="0">
+        <a:scrgbClr r="0" g="0" b="0"/>
+      </a:lnRef>
+      <a:fillRef idx="3">
+        <a:scrgbClr r="0" g="0" b="0"/>
+      </a:fillRef>
+      <a:effectRef idx="2">
+        <a:scrgbClr r="0" g="0" b="0"/>
+      </a:effectRef>
+      <a:fontRef idx="minor">
+        <a:schemeClr val="lt1"/>
+      </a:fontRef>
+    </dgm:style>
+  </dgm:styleLbl>
+  <dgm:styleLbl name="node4">
+    <dgm:scene3d>
+      <a:camera prst="orthographicFront"/>
+      <a:lightRig rig="threePt" dir="t"/>
+    </dgm:scene3d>
+    <dgm:sp3d/>
+    <dgm:txPr/>
+    <dgm:style>
+      <a:lnRef idx="0">
+        <a:scrgbClr r="0" g="0" b="0"/>
+      </a:lnRef>
+      <a:fillRef idx="3">
+        <a:scrgbClr r="0" g="0" b="0"/>
+      </a:fillRef>
+      <a:effectRef idx="2">
+        <a:scrgbClr r="0" g="0" b="0"/>
+      </a:effectRef>
+      <a:fontRef idx="minor">
+        <a:schemeClr val="lt1"/>
+      </a:fontRef>
+    </dgm:style>
+  </dgm:styleLbl>
+  <dgm:styleLbl name="fgImgPlace1">
+    <dgm:scene3d>
+      <a:camera prst="orthographicFront"/>
+      <a:lightRig rig="threePt" dir="t"/>
+    </dgm:scene3d>
+    <dgm:sp3d/>
+    <dgm:txPr/>
+    <dgm:style>
+      <a:lnRef idx="0">
+        <a:scrgbClr r="0" g="0" b="0"/>
+      </a:lnRef>
+      <a:fillRef idx="1">
+        <a:scrgbClr r="0" g="0" b="0"/>
+      </a:fillRef>
+      <a:effectRef idx="2">
+        <a:scrgbClr r="0" g="0" b="0"/>
+      </a:effectRef>
+      <a:fontRef idx="minor"/>
+    </dgm:style>
+  </dgm:styleLbl>
+  <dgm:styleLbl name="alignImgPlace1">
+    <dgm:scene3d>
+      <a:camera prst="orthographicFront"/>
+      <a:lightRig rig="threePt" dir="t"/>
+    </dgm:scene3d>
+    <dgm:sp3d/>
+    <dgm:txPr/>
+    <dgm:style>
+      <a:lnRef idx="0">
+        <a:scrgbClr r="0" g="0" b="0"/>
+      </a:lnRef>
+      <a:fillRef idx="1">
+        <a:scrgbClr r="0" g="0" b="0"/>
+      </a:fillRef>
+      <a:effectRef idx="2">
+        <a:scrgbClr r="0" g="0" b="0"/>
+      </a:effectRef>
+      <a:fontRef idx="minor"/>
+    </dgm:style>
+  </dgm:styleLbl>
+  <dgm:styleLbl name="bgImgPlace1">
+    <dgm:scene3d>
+      <a:camera prst="orthographicFront"/>
+      <a:lightRig rig="threePt" dir="t"/>
+    </dgm:scene3d>
+    <dgm:sp3d/>
+    <dgm:txPr/>
+    <dgm:style>
+      <a:lnRef idx="0">
+        <a:scrgbClr r="0" g="0" b="0"/>
+      </a:lnRef>
+      <a:fillRef idx="1">
+        <a:scrgbClr r="0" g="0" b="0"/>
+      </a:fillRef>
+      <a:effectRef idx="2">
+        <a:scrgbClr r="0" g="0" b="0"/>
+      </a:effectRef>
+      <a:fontRef idx="minor"/>
+    </dgm:style>
+  </dgm:styleLbl>
+  <dgm:styleLbl name="sibTrans2D1">
+    <dgm:scene3d>
+      <a:camera prst="orthographicFront"/>
+      <a:lightRig rig="threePt" dir="t"/>
+    </dgm:scene3d>
+    <dgm:sp3d/>
+    <dgm:txPr/>
+    <dgm:style>
+      <a:lnRef idx="0">
+        <a:scrgbClr r="0" g="0" b="0"/>
+      </a:lnRef>
+      <a:fillRef idx="3">
+        <a:scrgbClr r="0" g="0" b="0"/>
+      </a:fillRef>
+      <a:effectRef idx="2">
+        <a:scrgbClr r="0" g="0" b="0"/>
+      </a:effectRef>
+      <a:fontRef idx="minor">
+        <a:schemeClr val="lt1"/>
+      </a:fontRef>
+    </dgm:style>
+  </dgm:styleLbl>
+  <dgm:styleLbl name="fgSibTrans2D1">
+    <dgm:scene3d>
+      <a:camera prst="orthographicFront"/>
+      <a:lightRig rig="threePt" dir="t"/>
+    </dgm:scene3d>
+    <dgm:sp3d/>
+    <dgm:txPr/>
+    <dgm:style>
+      <a:lnRef idx="0">
+        <a:scrgbClr r="0" g="0" b="0"/>
+      </a:lnRef>
+      <a:fillRef idx="3">
+        <a:scrgbClr r="0" g="0" b="0"/>
+      </a:fillRef>
+      <a:effectRef idx="2">
+        <a:scrgbClr r="0" g="0" b="0"/>
+      </a:effectRef>
+      <a:fontRef idx="minor">
+        <a:schemeClr val="lt1"/>
+      </a:fontRef>
+    </dgm:style>
+  </dgm:styleLbl>
+  <dgm:styleLbl name="bgSibTrans2D1">
+    <dgm:scene3d>
+      <a:camera prst="orthographicFront"/>
+      <a:lightRig rig="threePt" dir="t"/>
+    </dgm:scene3d>
+    <dgm:sp3d/>
+    <dgm:txPr/>
+    <dgm:style>
+      <a:lnRef idx="0">
+        <a:scrgbClr r="0" g="0" b="0"/>
+      </a:lnRef>
+      <a:fillRef idx="3">
+        <a:scrgbClr r="0" g="0" b="0"/>
+      </a:fillRef>
+      <a:effectRef idx="2">
+        <a:scrgbClr r="0" g="0" b="0"/>
+      </a:effectRef>
+      <a:fontRef idx="minor">
+        <a:schemeClr val="lt1"/>
+      </a:fontRef>
+    </dgm:style>
+  </dgm:styleLbl>
+  <dgm:styleLbl name="sibTrans1D1">
+    <dgm:scene3d>
+      <a:camera prst="orthographicFront"/>
+      <a:lightRig rig="threePt" dir="t"/>
+    </dgm:scene3d>
+    <dgm:sp3d/>
+    <dgm:txPr/>
+    <dgm:style>
+      <a:lnRef idx="1">
+        <a:scrgbClr r="0" g="0" b="0"/>
+      </a:lnRef>
+      <a:fillRef idx="0">
+        <a:scrgbClr r="0" g="0" b="0"/>
+      </a:fillRef>
+      <a:effectRef idx="0">
+        <a:scrgbClr r="0" g="0" b="0"/>
+      </a:effectRef>
+      <a:fontRef idx="minor"/>
+    </dgm:style>
+  </dgm:styleLbl>
+  <dgm:styleLbl name="callout">
+    <dgm:scene3d>
+      <a:camera prst="orthographicFront"/>
+      <a:lightRig rig="threePt" dir="t"/>
+    </dgm:scene3d>
+    <dgm:sp3d/>
+    <dgm:txPr/>
+    <dgm:style>
+      <a:lnRef idx="2">
+        <a:scrgbClr r="0" g="0" b="0"/>
+      </a:lnRef>
+      <a:fillRef idx="1">
+        <a:scrgbClr r="0" g="0" b="0"/>
+      </a:fillRef>
+      <a:effectRef idx="1">
+        <a:scrgbClr r="0" g="0" b="0"/>
+      </a:effectRef>
+      <a:fontRef idx="minor"/>
+    </dgm:style>
+  </dgm:styleLbl>
+  <dgm:styleLbl name="asst0">
+    <dgm:scene3d>
+      <a:camera prst="orthographicFront"/>
+      <a:lightRig rig="threePt" dir="t"/>
+    </dgm:scene3d>
+    <dgm:sp3d/>
+    <dgm:txPr/>
+    <dgm:style>
+      <a:lnRef idx="0">
+        <a:scrgbClr r="0" g="0" b="0"/>
+      </a:lnRef>
+      <a:fillRef idx="3">
+        <a:scrgbClr r="0" g="0" b="0"/>
+      </a:fillRef>
+      <a:effectRef idx="2">
+        <a:scrgbClr r="0" g="0" b="0"/>
+      </a:effectRef>
+      <a:fontRef idx="minor">
+        <a:schemeClr val="lt1"/>
+      </a:fontRef>
+    </dgm:style>
+  </dgm:styleLbl>
+  <dgm:styleLbl name="asst1">
+    <dgm:scene3d>
+      <a:camera prst="orthographicFront"/>
+      <a:lightRig rig="threePt" dir="t"/>
+    </dgm:scene3d>
+    <dgm:sp3d/>
+    <dgm:txPr/>
+    <dgm:style>
+      <a:lnRef idx="0">
+        <a:scrgbClr r="0" g="0" b="0"/>
+      </a:lnRef>
+      <a:fillRef idx="3">
+        <a:scrgbClr r="0" g="0" b="0"/>
+      </a:fillRef>
+      <a:effectRef idx="2">
+        <a:scrgbClr r="0" g="0" b="0"/>
+      </a:effectRef>
+      <a:fontRef idx="minor">
+        <a:schemeClr val="lt1"/>
+      </a:fontRef>
+    </dgm:style>
+  </dgm:styleLbl>
+  <dgm:styleLbl name="asst2">
+    <dgm:scene3d>
+      <a:camera prst="orthographicFront"/>
+      <a:lightRig rig="threePt" dir="t"/>
+    </dgm:scene3d>
+    <dgm:sp3d/>
+    <dgm:txPr/>
+    <dgm:style>
+      <a:lnRef idx="0">
+        <a:scrgbClr r="0" g="0" b="0"/>
+      </a:lnRef>
+      <a:fillRef idx="3">
+        <a:scrgbClr r="0" g="0" b="0"/>
+      </a:fillRef>
+      <a:effectRef idx="2">
+        <a:scrgbClr r="0" g="0" b="0"/>
+      </a:effectRef>
+      <a:fontRef idx="minor">
+        <a:schemeClr val="lt1"/>
+      </a:fontRef>
+    </dgm:style>
+  </dgm:styleLbl>
+  <dgm:styleLbl name="asst3">
+    <dgm:scene3d>
+      <a:camera prst="orthographicFront"/>
+      <a:lightRig rig="threePt" dir="t"/>
+    </dgm:scene3d>
+    <dgm:sp3d/>
+    <dgm:txPr/>
+    <dgm:style>
+      <a:lnRef idx="0">
+        <a:scrgbClr r="0" g="0" b="0"/>
+      </a:lnRef>
+      <a:fillRef idx="3">
+        <a:scrgbClr r="0" g="0" b="0"/>
+      </a:fillRef>
+      <a:effectRef idx="2">
+        <a:scrgbClr r="0" g="0" b="0"/>
+      </a:effectRef>
+      <a:fontRef idx="minor">
+        <a:schemeClr val="lt1"/>
+      </a:fontRef>
+    </dgm:style>
+  </dgm:styleLbl>
+  <dgm:styleLbl name="asst4">
+    <dgm:scene3d>
+      <a:camera prst="orthographicFront"/>
+      <a:lightRig rig="threePt" dir="t"/>
+    </dgm:scene3d>
+    <dgm:sp3d/>
+    <dgm:txPr/>
+    <dgm:style>
+      <a:lnRef idx="0">
+        <a:scrgbClr r="0" g="0" b="0"/>
+      </a:lnRef>
+      <a:fillRef idx="3">
+        <a:scrgbClr r="0" g="0" b="0"/>
+      </a:fillRef>
+      <a:effectRef idx="2">
+        <a:scrgbClr r="0" g="0" b="0"/>
+      </a:effectRef>
+      <a:fontRef idx="minor">
+        <a:schemeClr val="lt1"/>
+      </a:fontRef>
+    </dgm:style>
+  </dgm:styleLbl>
+  <dgm:styleLbl name="parChTrans2D1">
+    <dgm:scene3d>
+      <a:camera prst="orthographicFront"/>
+      <a:lightRig rig="threePt" dir="t"/>
+    </dgm:scene3d>
+    <dgm:sp3d/>
+    <dgm:txPr/>
+    <dgm:style>
+      <a:lnRef idx="0">
+        <a:scrgbClr r="0" g="0" b="0"/>
+      </a:lnRef>
+      <a:fillRef idx="3">
+        <a:scrgbClr r="0" g="0" b="0"/>
+      </a:fillRef>
+      <a:effectRef idx="2">
+        <a:scrgbClr r="0" g="0" b="0"/>
+      </a:effectRef>
+      <a:fontRef idx="minor">
+        <a:schemeClr val="lt1"/>
+      </a:fontRef>
+    </dgm:style>
+  </dgm:styleLbl>
+  <dgm:styleLbl name="parChTrans2D2">
+    <dgm:scene3d>
+      <a:camera prst="orthographicFront"/>
+      <a:lightRig rig="threePt" dir="t"/>
+    </dgm:scene3d>
+    <dgm:sp3d/>
+    <dgm:txPr/>
+    <dgm:style>
+      <a:lnRef idx="0">
+        <a:scrgbClr r="0" g="0" b="0"/>
+      </a:lnRef>
+      <a:fillRef idx="3">
+        <a:scrgbClr r="0" g="0" b="0"/>
+      </a:fillRef>
+      <a:effectRef idx="2">
+        <a:scrgbClr r="0" g="0" b="0"/>
+      </a:effectRef>
+      <a:fontRef idx="minor">
+        <a:schemeClr val="lt1"/>
+      </a:fontRef>
+    </dgm:style>
+  </dgm:styleLbl>
+  <dgm:styleLbl name="parChTrans2D3">
+    <dgm:scene3d>
+      <a:camera prst="orthographicFront"/>
+      <a:lightRig rig="threePt" dir="t"/>
+    </dgm:scene3d>
+    <dgm:sp3d/>
+    <dgm:txPr/>
+    <dgm:style>
+      <a:lnRef idx="1">
+        <a:scrgbClr r="0" g="0" b="0"/>
+      </a:lnRef>
+      <a:fillRef idx="3">
+        <a:scrgbClr r="0" g="0" b="0"/>
+      </a:fillRef>
+      <a:effectRef idx="2">
+        <a:scrgbClr r="0" g="0" b="0"/>
+      </a:effectRef>
+      <a:fontRef idx="minor">
+        <a:schemeClr val="lt1"/>
+      </a:fontRef>
+    </dgm:style>
+  </dgm:styleLbl>
+  <dgm:styleLbl name="parChTrans2D4">
+    <dgm:scene3d>
+      <a:camera prst="orthographicFront"/>
+      <a:lightRig rig="threePt" dir="t"/>
+    </dgm:scene3d>
+    <dgm:sp3d/>
+    <dgm:txPr/>
+    <dgm:style>
+      <a:lnRef idx="1">
+        <a:scrgbClr r="0" g="0" b="0"/>
+      </a:lnRef>
+      <a:fillRef idx="3">
+        <a:scrgbClr r="0" g="0" b="0"/>
+      </a:fillRef>
+      <a:effectRef idx="2">
+        <a:scrgbClr r="0" g="0" b="0"/>
+      </a:effectRef>
+      <a:fontRef idx="minor">
+        <a:schemeClr val="lt1"/>
+      </a:fontRef>
+    </dgm:style>
+  </dgm:styleLbl>
+  <dgm:styleLbl name="parChTrans1D1">
+    <dgm:scene3d>
+      <a:camera prst="orthographicFront"/>
+      <a:lightRig rig="threePt" dir="t"/>
+    </dgm:scene3d>
+    <dgm:sp3d/>
+    <dgm:txPr/>
+    <dgm:style>
+      <a:lnRef idx="1">
+        <a:scrgbClr r="0" g="0" b="0"/>
+      </a:lnRef>
+      <a:fillRef idx="0">
+        <a:scrgbClr r="0" g="0" b="0"/>
+      </a:fillRef>
+      <a:effectRef idx="0">
+        <a:scrgbClr r="0" g="0" b="0"/>
+      </a:effectRef>
+      <a:fontRef idx="minor"/>
+    </dgm:style>
+  </dgm:styleLbl>
+  <dgm:styleLbl name="parChTrans1D2">
+    <dgm:scene3d>
+      <a:camera prst="orthographicFront"/>
+      <a:lightRig rig="threePt" dir="t"/>
+    </dgm:scene3d>
+    <dgm:sp3d/>
+    <dgm:txPr/>
+    <dgm:style>
+      <a:lnRef idx="1">
+        <a:scrgbClr r="0" g="0" b="0"/>
+      </a:lnRef>
+      <a:fillRef idx="0">
+        <a:scrgbClr r="0" g="0" b="0"/>
+      </a:fillRef>
+      <a:effectRef idx="0">
+        <a:scrgbClr r="0" g="0" b="0"/>
+      </a:effectRef>
+      <a:fontRef idx="minor"/>
+    </dgm:style>
+  </dgm:styleLbl>
+  <dgm:styleLbl name="parChTrans1D3">
+    <dgm:scene3d>
+      <a:camera prst="orthographicFront"/>
+      <a:lightRig rig="threePt" dir="t"/>
+    </dgm:scene3d>
+    <dgm:sp3d/>
+    <dgm:txPr/>
+    <dgm:style>
+      <a:lnRef idx="1">
+        <a:scrgbClr r="0" g="0" b="0"/>
+      </a:lnRef>
+      <a:fillRef idx="0">
+        <a:scrgbClr r="0" g="0" b="0"/>
+      </a:fillRef>
+      <a:effectRef idx="0">
+        <a:scrgbClr r="0" g="0" b="0"/>
+      </a:effectRef>
+      <a:fontRef idx="minor"/>
+    </dgm:style>
+  </dgm:styleLbl>
+  <dgm:styleLbl name="parChTrans1D4">
+    <dgm:scene3d>
+      <a:camera prst="orthographicFront"/>
+      <a:lightRig rig="threePt" dir="t"/>
+    </dgm:scene3d>
+    <dgm:sp3d/>
+    <dgm:txPr/>
+    <dgm:style>
+      <a:lnRef idx="1">
+        <a:scrgbClr r="0" g="0" b="0"/>
+      </a:lnRef>
+      <a:fillRef idx="0">
+        <a:scrgbClr r="0" g="0" b="0"/>
+      </a:fillRef>
+      <a:effectRef idx="0">
+        <a:scrgbClr r="0" g="0" b="0"/>
+      </a:effectRef>
+      <a:fontRef idx="minor"/>
+    </dgm:style>
+  </dgm:styleLbl>
+  <dgm:styleLbl name="fgAcc1">
+    <dgm:scene3d>
+      <a:camera prst="orthographicFront"/>
+      <a:lightRig rig="threePt" dir="t"/>
+    </dgm:scene3d>
+    <dgm:sp3d/>
+    <dgm:txPr/>
+    <dgm:style>
+      <a:lnRef idx="1">
+        <a:scrgbClr r="0" g="0" b="0"/>
+      </a:lnRef>
+      <a:fillRef idx="1">
+        <a:scrgbClr r="0" g="0" b="0"/>
+      </a:fillRef>
+      <a:effectRef idx="0">
+        <a:scrgbClr r="0" g="0" b="0"/>
+      </a:effectRef>
+      <a:fontRef idx="minor"/>
+    </dgm:style>
+  </dgm:styleLbl>
+  <dgm:styleLbl name="conFgAcc1">
+    <dgm:scene3d>
+      <a:camera prst="orthographicFront"/>
+      <a:lightRig rig="threePt" dir="t"/>
+    </dgm:scene3d>
+    <dgm:sp3d/>
+    <dgm:txPr/>
+    <dgm:style>
+      <a:lnRef idx="1">
+        <a:scrgbClr r="0" g="0" b="0"/>
+      </a:lnRef>
+      <a:fillRef idx="1">
+        <a:scrgbClr r="0" g="0" b="0"/>
+      </a:fillRef>
+      <a:effectRef idx="0">
+        <a:scrgbClr r="0" g="0" b="0"/>
+      </a:effectRef>
+      <a:fontRef idx="minor"/>
+    </dgm:style>
+  </dgm:styleLbl>
+  <dgm:styleLbl name="alignAcc1">
+    <dgm:scene3d>
+      <a:camera prst="orthographicFront"/>
+      <a:lightRig rig="threePt" dir="t"/>
+    </dgm:scene3d>
+    <dgm:sp3d/>
+    <dgm:txPr/>
+    <dgm:style>
+      <a:lnRef idx="1">
+        <a:scrgbClr r="0" g="0" b="0"/>
+      </a:lnRef>
+      <a:fillRef idx="1">
+        <a:scrgbClr r="0" g="0" b="0"/>
+      </a:fillRef>
+      <a:effectRef idx="0">
+        <a:scrgbClr r="0" g="0" b="0"/>
+      </a:effectRef>
+      <a:fontRef idx="minor"/>
+    </dgm:style>
+  </dgm:styleLbl>
+  <dgm:styleLbl name="trAlignAcc1">
+    <dgm:scene3d>
+      <a:camera prst="orthographicFront"/>
+      <a:lightRig rig="threePt" dir="t"/>
+    </dgm:scene3d>
+    <dgm:sp3d/>
+    <dgm:txPr/>
+    <dgm:style>
+      <a:lnRef idx="1">
+        <a:scrgbClr r="0" g="0" b="0"/>
+      </a:lnRef>
+      <a:fillRef idx="1">
+        <a:scrgbClr r="0" g="0" b="0"/>
+      </a:fillRef>
+      <a:effectRef idx="0">
+        <a:scrgbClr r="0" g="0" b="0"/>
+      </a:effectRef>
+      <a:fontRef idx="minor"/>
+    </dgm:style>
+  </dgm:styleLbl>
+  <dgm:styleLbl name="bgAcc1">
+    <dgm:scene3d>
+      <a:camera prst="orthographicFront"/>
+      <a:lightRig rig="threePt" dir="t"/>
+    </dgm:scene3d>
+    <dgm:sp3d/>
+    <dgm:txPr/>
+    <dgm:style>
+      <a:lnRef idx="1">
+        <a:scrgbClr r="0" g="0" b="0"/>
+      </a:lnRef>
+      <a:fillRef idx="1">
+        <a:scrgbClr r="0" g="0" b="0"/>
+      </a:fillRef>
+      <a:effectRef idx="0">
+        <a:scrgbClr r="0" g="0" b="0"/>
+      </a:effectRef>
+      <a:fontRef idx="minor"/>
+    </dgm:style>
+  </dgm:styleLbl>
+  <dgm:styleLbl name="solidFgAcc1">
+    <dgm:scene3d>
+      <a:camera prst="orthographicFront"/>
+      <a:lightRig rig="threePt" dir="t"/>
+    </dgm:scene3d>
+    <dgm:sp3d/>
+    <dgm:txPr/>
+    <dgm:style>
+      <a:lnRef idx="1">
+        <a:scrgbClr r="0" g="0" b="0"/>
+      </a:lnRef>
+      <a:fillRef idx="1">
+        <a:scrgbClr r="0" g="0" b="0"/>
+      </a:fillRef>
+      <a:effectRef idx="0">
+        <a:scrgbClr r="0" g="0" b="0"/>
+      </a:effectRef>
+      <a:fontRef idx="minor"/>
+    </dgm:style>
+  </dgm:styleLbl>
+  <dgm:styleLbl name="solidAlignAcc1">
+    <dgm:scene3d>
+      <a:camera prst="orthographicFront"/>
+      <a:lightRig rig="threePt" dir="t"/>
+    </dgm:scene3d>
+    <dgm:sp3d/>
+    <dgm:txPr/>
+    <dgm:style>
+      <a:lnRef idx="1">
+        <a:scrgbClr r="0" g="0" b="0"/>
+      </a:lnRef>
+      <a:fillRef idx="1">
+        <a:scrgbClr r="0" g="0" b="0"/>
+      </a:fillRef>
+      <a:effectRef idx="0">
+        <a:scrgbClr r="0" g="0" b="0"/>
+      </a:effectRef>
+      <a:fontRef idx="minor"/>
+    </dgm:style>
+  </dgm:styleLbl>
+  <dgm:styleLbl name="solidBgAcc1">
+    <dgm:scene3d>
+      <a:camera prst="orthographicFront"/>
+      <a:lightRig rig="threePt" dir="t"/>
+    </dgm:scene3d>
+    <dgm:sp3d/>
+    <dgm:txPr/>
+    <dgm:style>
+      <a:lnRef idx="1">
+        <a:scrgbClr r="0" g="0" b="0"/>
+      </a:lnRef>
+      <a:fillRef idx="1">
+        <a:scrgbClr r="0" g="0" b="0"/>
+      </a:fillRef>
+      <a:effectRef idx="0">
+        <a:scrgbClr r="0" g="0" b="0"/>
+      </a:effectRef>
+      <a:fontRef idx="minor"/>
+    </dgm:style>
+  </dgm:styleLbl>
+  <dgm:styleLbl name="fgAccFollowNode1">
+    <dgm:scene3d>
+      <a:camera prst="orthographicFront"/>
+      <a:lightRig rig="threePt" dir="t"/>
+    </dgm:scene3d>
+    <dgm:sp3d/>
+    <dgm:txPr/>
+    <dgm:style>
+      <a:lnRef idx="1">
+        <a:scrgbClr r="0" g="0" b="0"/>
+      </a:lnRef>
+      <a:fillRef idx="1">
+        <a:scrgbClr r="0" g="0" b="0"/>
+      </a:fillRef>
+      <a:effectRef idx="0">
+        <a:scrgbClr r="0" g="0" b="0"/>
+      </a:effectRef>
+      <a:fontRef idx="minor"/>
+    </dgm:style>
+  </dgm:styleLbl>
+  <dgm:styleLbl name="alignAccFollowNode1">
+    <dgm:scene3d>
+      <a:camera prst="orthographicFront"/>
+      <a:lightRig rig="threePt" dir="t"/>
+    </dgm:scene3d>
+    <dgm:sp3d/>
+    <dgm:txPr/>
+    <dgm:style>
+      <a:lnRef idx="1">
+        <a:scrgbClr r="0" g="0" b="0"/>
+      </a:lnRef>
+      <a:fillRef idx="1">
+        <a:scrgbClr r="0" g="0" b="0"/>
+      </a:fillRef>
+      <a:effectRef idx="0">
+        <a:scrgbClr r="0" g="0" b="0"/>
+      </a:effectRef>
+      <a:fontRef idx="minor"/>
+    </dgm:style>
+  </dgm:styleLbl>
+  <dgm:styleLbl name="bgAccFollowNode1">
+    <dgm:scene3d>
+      <a:camera prst="orthographicFront"/>
+      <a:lightRig rig="threePt" dir="t"/>
+    </dgm:scene3d>
+    <dgm:sp3d/>
+    <dgm:txPr/>
+    <dgm:style>
+      <a:lnRef idx="1">
+        <a:scrgbClr r="0" g="0" b="0"/>
+      </a:lnRef>
+      <a:fillRef idx="1">
+        <a:scrgbClr r="0" g="0" b="0"/>
+      </a:fillRef>
+      <a:effectRef idx="0">
+        <a:scrgbClr r="0" g="0" b="0"/>
+      </a:effectRef>
+      <a:fontRef idx="minor"/>
+    </dgm:style>
+  </dgm:styleLbl>
+  <dgm:styleLbl name="fgAcc0">
+    <dgm:scene3d>
+      <a:camera prst="orthographicFront"/>
+      <a:lightRig rig="threePt" dir="t"/>
+    </dgm:scene3d>
+    <dgm:sp3d/>
+    <dgm:txPr/>
+    <dgm:style>
+      <a:lnRef idx="1">
+        <a:scrgbClr r="0" g="0" b="0"/>
+      </a:lnRef>
+      <a:fillRef idx="1">
+        <a:scrgbClr r="0" g="0" b="0"/>
+      </a:fillRef>
+      <a:effectRef idx="0">
+        <a:scrgbClr r="0" g="0" b="0"/>
+      </a:effectRef>
+      <a:fontRef idx="minor"/>
+    </dgm:style>
+  </dgm:styleLbl>
+  <dgm:styleLbl name="fgAcc2">
+    <dgm:scene3d>
+      <a:camera prst="orthographicFront"/>
+      <a:lightRig rig="threePt" dir="t"/>
+    </dgm:scene3d>
+    <dgm:sp3d/>
+    <dgm:txPr/>
+    <dgm:style>
+      <a:lnRef idx="1">
+        <a:scrgbClr r="0" g="0" b="0"/>
+      </a:lnRef>
+      <a:fillRef idx="1">
+        <a:scrgbClr r="0" g="0" b="0"/>
+      </a:fillRef>
+      <a:effectRef idx="0">
+        <a:scrgbClr r="0" g="0" b="0"/>
+      </a:effectRef>
+      <a:fontRef idx="minor"/>
+    </dgm:style>
+  </dgm:styleLbl>
+  <dgm:styleLbl name="fgAcc3">
+    <dgm:scene3d>
+      <a:camera prst="orthographicFront"/>
+      <a:lightRig rig="threePt" dir="t"/>
+    </dgm:scene3d>
+    <dgm:sp3d/>
+    <dgm:txPr/>
+    <dgm:style>
+      <a:lnRef idx="1">
+        <a:scrgbClr r="0" g="0" b="0"/>
+      </a:lnRef>
+      <a:fillRef idx="1">
+        <a:scrgbClr r="0" g="0" b="0"/>
+      </a:fillRef>
+      <a:effectRef idx="0">
+        <a:scrgbClr r="0" g="0" b="0"/>
+      </a:effectRef>
+      <a:fontRef idx="minor"/>
+    </dgm:style>
+  </dgm:styleLbl>
+  <dgm:styleLbl name="fgAcc4">
+    <dgm:scene3d>
+      <a:camera prst="orthographicFront"/>
+      <a:lightRig rig="threePt" dir="t"/>
+    </dgm:scene3d>
+    <dgm:sp3d/>
+    <dgm:txPr/>
+    <dgm:style>
+      <a:lnRef idx="1">
+        <a:scrgbClr r="0" g="0" b="0"/>
+      </a:lnRef>
+      <a:fillRef idx="1">
+        <a:scrgbClr r="0" g="0" b="0"/>
+      </a:fillRef>
+      <a:effectRef idx="0">
+        <a:scrgbClr r="0" g="0" b="0"/>
+      </a:effectRef>
+      <a:fontRef idx="minor"/>
+    </dgm:style>
+  </dgm:styleLbl>
+  <dgm:styleLbl name="bgShp">
+    <dgm:scene3d>
+      <a:camera prst="orthographicFront"/>
+      <a:lightRig rig="threePt" dir="t"/>
+    </dgm:scene3d>
+    <dgm:sp3d/>
+    <dgm:txPr/>
+    <dgm:style>
+      <a:lnRef idx="0">
+        <a:scrgbClr r="0" g="0" b="0"/>
+      </a:lnRef>
+      <a:fillRef idx="1">
+        <a:scrgbClr r="0" g="0" b="0"/>
+      </a:fillRef>
+      <a:effectRef idx="2">
+        <a:scrgbClr r="0" g="0" b="0"/>
+      </a:effectRef>
+      <a:fontRef idx="minor"/>
+    </dgm:style>
+  </dgm:styleLbl>
+  <dgm:styleLbl name="dkBgShp">
+    <dgm:scene3d>
+      <a:camera prst="orthographicFront"/>
+      <a:lightRig rig="threePt" dir="t"/>
+    </dgm:scene3d>
+    <dgm:sp3d/>
+    <dgm:txPr/>
+    <dgm:style>
+      <a:lnRef idx="0">
+        <a:scrgbClr r="0" g="0" b="0"/>
+      </a:lnRef>
+      <a:fillRef idx="1">
+        <a:scrgbClr r="0" g="0" b="0"/>
+      </a:fillRef>
+      <a:effectRef idx="2">
+        <a:scrgbClr r="0" g="0" b="0"/>
+      </a:effectRef>
+      <a:fontRef idx="minor"/>
+    </dgm:style>
+  </dgm:styleLbl>
+  <dgm:styleLbl name="trBgShp">
+    <dgm:scene3d>
+      <a:camera prst="orthographicFront"/>
+      <a:lightRig rig="threePt" dir="t"/>
+    </dgm:scene3d>
+    <dgm:sp3d/>
+    <dgm:txPr/>
+    <dgm:style>
+      <a:lnRef idx="0">
+        <a:scrgbClr r="0" g="0" b="0"/>
+      </a:lnRef>
+      <a:fillRef idx="1">
+        <a:scrgbClr r="0" g="0" b="0"/>
+      </a:fillRef>
+      <a:effectRef idx="0">
+        <a:scrgbClr r="0" g="0" b="0"/>
+      </a:effectRef>
+      <a:fontRef idx="minor"/>
+    </dgm:style>
+  </dgm:styleLbl>
+  <dgm:styleLbl name="fgShp">
+    <dgm:scene3d>
+      <a:camera prst="orthographicFront"/>
+      <a:lightRig rig="threePt" dir="t"/>
+    </dgm:scene3d>
+    <dgm:sp3d/>
+    <dgm:txPr/>
+    <dgm:style>
+      <a:lnRef idx="0">
+        <a:scrgbClr r="0" g="0" b="0"/>
+      </a:lnRef>
+      <a:fillRef idx="3">
+        <a:scrgbClr r="0" g="0" b="0"/>
+      </a:fillRef>
+      <a:effectRef idx="2">
+        <a:scrgbClr r="0" g="0" b="0"/>
+      </a:effectRef>
+      <a:fontRef idx="minor"/>
+    </dgm:style>
+  </dgm:styleLbl>
+  <dgm:styleLbl name="revTx">
+    <dgm:scene3d>
+      <a:camera prst="orthographicFront"/>
+      <a:lightRig rig="threePt" dir="t"/>
+    </dgm:scene3d>
+    <dgm:sp3d/>
+    <dgm:txPr/>
+    <dgm:style>
+      <a:lnRef idx="0">
+        <a:scrgbClr r="0" g="0" b="0"/>
+      </a:lnRef>
+      <a:fillRef idx="0">
+        <a:scrgbClr r="0" g="0" b="0"/>
+      </a:fillRef>
+      <a:effectRef idx="0">
+        <a:scrgbClr r="0" g="0" b="0"/>
+      </a:effectRef>
+      <a:fontRef idx="minor"/>
+    </dgm:style>
+  </dgm:styleLbl>
+</dgm:styleDef>
 </file>
 
 <file path=ppt/slideLayouts/slideLayout1.xml><?xml version="1.0" encoding="utf-8"?>
@@ -3593,6 +6694,7 @@
           <a:bodyPr/>
           <a:lstStyle/>
           <a:p>
+            <a:pPr algn="l"/>
             <a:r>
               <a:rPr lang="en-US" smtClean="0"/>
               <a:t>Agenda</a:t>
@@ -3677,23 +6779,17 @@
           <a:p>
             <a:pPr lvl="1" fontAlgn="base"/>
             <a:r>
-              <a:rPr lang="es-VE" sz="2000"/>
-              <a:t>Componentes Hardware</a:t>
+              <a:rPr lang="es-VE" sz="2000" smtClean="0"/>
+              <a:t>Componentes</a:t>
             </a:r>
           </a:p>
           <a:p>
             <a:pPr lvl="1" fontAlgn="base"/>
             <a:r>
-              <a:rPr lang="es-VE" sz="2000"/>
-              <a:t>Componentes Software</a:t>
-            </a:r>
-          </a:p>
-          <a:p>
-            <a:pPr lvl="1" fontAlgn="base"/>
-            <a:r>
-              <a:rPr lang="es-VE" sz="2000"/>
+              <a:rPr lang="es-VE" sz="2000" smtClean="0"/>
               <a:t>Herramientas</a:t>
             </a:r>
+            <a:endParaRPr lang="es-VE" sz="2000"/>
           </a:p>
           <a:p>
             <a:pPr lvl="1" fontAlgn="base"/>
@@ -3705,39 +6801,6 @@
           </a:p>
         </p:txBody>
       </p:sp>
-      <p:cxnSp>
-        <p:nvCxnSpPr>
-          <p:cNvPr id="3" name="Straight Connector 2"/>
-          <p:cNvCxnSpPr>
-            <a:stCxn id="5" idx="0"/>
-            <a:endCxn id="5" idx="2"/>
-          </p:cNvCxnSpPr>
-          <p:nvPr/>
-        </p:nvCxnSpPr>
-        <p:spPr>
-          <a:xfrm>
-            <a:off x="4572000" y="1600200"/>
-            <a:ext cx="0" cy="4525963"/>
-          </a:xfrm>
-          <a:prstGeom prst="line">
-            <a:avLst/>
-          </a:prstGeom>
-        </p:spPr>
-        <p:style>
-          <a:lnRef idx="1">
-            <a:schemeClr val="accent1"/>
-          </a:lnRef>
-          <a:fillRef idx="0">
-            <a:schemeClr val="accent1"/>
-          </a:fillRef>
-          <a:effectRef idx="0">
-            <a:schemeClr val="accent1"/>
-          </a:effectRef>
-          <a:fontRef idx="minor">
-            <a:schemeClr val="tx1"/>
-          </a:fontRef>
-        </p:style>
-      </p:cxnSp>
     </p:spTree>
     <p:extLst>
       <p:ext uri="{BB962C8B-B14F-4D97-AF65-F5344CB8AC3E}">
@@ -3768,6 +6831,31 @@
           <a:chExt cx="0" cy="0"/>
         </a:xfrm>
       </p:grpSpPr>
+      <p:graphicFrame>
+        <p:nvGraphicFramePr>
+          <p:cNvPr id="4" name="Content Placeholder 3"/>
+          <p:cNvGraphicFramePr>
+            <a:graphicFrameLocks noGrp="1"/>
+          </p:cNvGraphicFramePr>
+          <p:nvPr>
+            <p:ph idx="1"/>
+            <p:extLst>
+              <p:ext uri="{D42A27DB-BD31-4B8C-83A1-F6EECF244321}">
+                <p14:modId xmlns:p14="http://schemas.microsoft.com/office/powerpoint/2010/main" val="2622500412"/>
+              </p:ext>
+            </p:extLst>
+          </p:nvPr>
+        </p:nvGraphicFramePr>
+        <p:xfrm>
+          <a:off x="457200" y="1600200"/>
+          <a:ext cx="8229600" cy="4525963"/>
+        </p:xfrm>
+        <a:graphic>
+          <a:graphicData uri="http://schemas.openxmlformats.org/drawingml/2006/diagram">
+            <dgm:relIds xmlns:dgm="http://schemas.openxmlformats.org/drawingml/2006/diagram" xmlns:r="http://schemas.openxmlformats.org/officeDocument/2006/relationships" r:dm="rId2" r:lo="rId3" r:qs="rId4" r:cs="rId5"/>
+          </a:graphicData>
+        </a:graphic>
+      </p:graphicFrame>
       <p:sp>
         <p:nvSpPr>
           <p:cNvPr id="2" name="Title 1"/>
@@ -3783,6 +6871,7 @@
           <a:bodyPr/>
           <a:lstStyle/>
           <a:p>
+            <a:pPr algn="l"/>
             <a:r>
               <a:rPr lang="en-US" smtClean="0"/>
               <a:t>Lego Mindstorms</a:t>
@@ -3791,15 +6880,67 @@
           </a:p>
         </p:txBody>
       </p:sp>
+    </p:spTree>
+    <p:extLst>
+      <p:ext uri="{BB962C8B-B14F-4D97-AF65-F5344CB8AC3E}">
+        <p14:creationId xmlns:p14="http://schemas.microsoft.com/office/powerpoint/2010/main" val="1119314853"/>
+      </p:ext>
+    </p:extLst>
+  </p:cSld>
+  <p:clrMapOvr>
+    <a:masterClrMapping/>
+  </p:clrMapOvr>
+</p:sld>
+</file>
+
+<file path=ppt/slides/slide4.xml><?xml version="1.0" encoding="utf-8"?>
+<p:sld xmlns:a="http://schemas.openxmlformats.org/drawingml/2006/main" xmlns:r="http://schemas.openxmlformats.org/officeDocument/2006/relationships" xmlns:p="http://schemas.openxmlformats.org/presentationml/2006/main">
+  <p:cSld>
+    <p:spTree>
+      <p:nvGrpSpPr>
+        <p:cNvPr id="1" name=""/>
+        <p:cNvGrpSpPr/>
+        <p:nvPr/>
+      </p:nvGrpSpPr>
+      <p:grpSpPr>
+        <a:xfrm>
+          <a:off x="0" y="0"/>
+          <a:ext cx="0" cy="0"/>
+          <a:chOff x="0" y="0"/>
+          <a:chExt cx="0" cy="0"/>
+        </a:xfrm>
+      </p:grpSpPr>
+      <p:sp>
+        <p:nvSpPr>
+          <p:cNvPr id="2" name="Title 1"/>
+          <p:cNvSpPr>
+            <a:spLocks noGrp="1"/>
+          </p:cNvSpPr>
+          <p:nvPr>
+            <p:ph type="title"/>
+          </p:nvPr>
+        </p:nvSpPr>
+        <p:spPr/>
+        <p:txBody>
+          <a:bodyPr/>
+          <a:lstStyle/>
+          <a:p>
+            <a:pPr algn="l"/>
+            <a:r>
+              <a:rPr lang="en-US" smtClean="0"/>
+              <a:t>Lego Mindstorms</a:t>
+            </a:r>
+            <a:endParaRPr lang="es-VE"/>
+          </a:p>
+        </p:txBody>
+      </p:sp>
       <p:pic>
         <p:nvPicPr>
-          <p:cNvPr id="10" name="Content Placeholder 9"/>
+          <p:cNvPr id="1026" name="Picture 2" descr="D:\MADN3S\Seminario\cybermaster.png"/>
           <p:cNvPicPr>
-            <a:picLocks noGrp="1" noChangeAspect="1"/>
+            <a:picLocks noChangeAspect="1" noChangeArrowheads="1"/>
           </p:cNvPicPr>
-          <p:nvPr>
-            <p:ph idx="1"/>
-          </p:nvPr>
+          <p:nvPr/>
         </p:nvPicPr>
         <p:blipFill>
           <a:blip r:embed="rId2">
@@ -3809,113 +6950,142 @@
               </a:ext>
             </a:extLst>
           </a:blip>
+          <a:srcRect/>
           <a:stretch>
             <a:fillRect/>
           </a:stretch>
         </p:blipFill>
-        <p:spPr>
+        <p:spPr bwMode="auto">
           <a:xfrm>
-            <a:off x="4851812" y="2464120"/>
-            <a:ext cx="3301588" cy="2565080"/>
+            <a:off x="5861126" y="1970881"/>
+            <a:ext cx="2984432" cy="1730376"/>
           </a:xfrm>
           <a:prstGeom prst="rect">
             <a:avLst/>
           </a:prstGeom>
-          <a:ln>
-            <a:noFill/>
-          </a:ln>
-          <a:effectLst>
-            <a:outerShdw blurRad="292100" dist="139700" dir="2700000" algn="tl" rotWithShape="0">
-              <a:srgbClr val="333333">
-                <a:alpha val="65000"/>
-              </a:srgbClr>
-            </a:outerShdw>
-          </a:effectLst>
+          <a:noFill/>
+          <a:extLst>
+            <a:ext uri="{909E8E84-426E-40DD-AFC4-6F175D3DCCD1}">
+              <a14:hiddenFill xmlns:a14="http://schemas.microsoft.com/office/drawing/2010/main">
+                <a:solidFill>
+                  <a:srgbClr val="FFFFFF"/>
+                </a:solidFill>
+              </a14:hiddenFill>
+            </a:ext>
+          </a:extLst>
         </p:spPr>
       </p:pic>
-      <p:sp>
-        <p:nvSpPr>
-          <p:cNvPr id="9" name="Oval 8"/>
+      <p:pic>
+        <p:nvPicPr>
+          <p:cNvPr id="1029" name="Picture 5" descr="D:\MADN3S\Seminario\original_brick.png"/>
+          <p:cNvPicPr>
+            <a:picLocks noChangeAspect="1" noChangeArrowheads="1"/>
+          </p:cNvPicPr>
+          <p:nvPr/>
+        </p:nvPicPr>
+        <p:blipFill>
+          <a:blip r:embed="rId3">
+            <a:extLst>
+              <a:ext uri="{28A0092B-C50C-407E-A947-70E740481C1C}">
+                <a14:useLocalDpi xmlns:a14="http://schemas.microsoft.com/office/drawing/2010/main" val="0"/>
+              </a:ext>
+            </a:extLst>
+          </a:blip>
+          <a:srcRect/>
+          <a:stretch>
+            <a:fillRect/>
+          </a:stretch>
+        </p:blipFill>
+        <p:spPr bwMode="auto">
+          <a:xfrm>
+            <a:off x="3657600" y="1557338"/>
+            <a:ext cx="1926936" cy="2557462"/>
+          </a:xfrm>
+          <a:prstGeom prst="rect">
+            <a:avLst/>
+          </a:prstGeom>
+          <a:noFill/>
+          <a:extLst>
+            <a:ext uri="{909E8E84-426E-40DD-AFC4-6F175D3DCCD1}">
+              <a14:hiddenFill xmlns:a14="http://schemas.microsoft.com/office/drawing/2010/main">
+                <a:solidFill>
+                  <a:srgbClr val="FFFFFF"/>
+                </a:solidFill>
+              </a14:hiddenFill>
+            </a:ext>
+          </a:extLst>
+        </p:spPr>
+      </p:pic>
+      <p:pic>
+        <p:nvPicPr>
+          <p:cNvPr id="1030" name="Picture 6" descr="D:\MADN3S\Seminario\presentation_grey_brick.png"/>
+          <p:cNvPicPr>
+            <a:picLocks noChangeAspect="1" noChangeArrowheads="1"/>
+          </p:cNvPicPr>
+          <p:nvPr/>
+        </p:nvPicPr>
+        <p:blipFill>
+          <a:blip r:embed="rId4">
+            <a:extLst>
+              <a:ext uri="{28A0092B-C50C-407E-A947-70E740481C1C}">
+                <a14:useLocalDpi xmlns:a14="http://schemas.microsoft.com/office/drawing/2010/main" val="0"/>
+              </a:ext>
+            </a:extLst>
+          </a:blip>
+          <a:srcRect/>
+          <a:stretch>
+            <a:fillRect/>
+          </a:stretch>
+        </p:blipFill>
+        <p:spPr bwMode="auto">
+          <a:xfrm>
+            <a:off x="381000" y="1822803"/>
+            <a:ext cx="2608407" cy="2026532"/>
+          </a:xfrm>
+          <a:prstGeom prst="rect">
+            <a:avLst/>
+          </a:prstGeom>
+          <a:noFill/>
+          <a:extLst>
+            <a:ext uri="{909E8E84-426E-40DD-AFC4-6F175D3DCCD1}">
+              <a14:hiddenFill xmlns:a14="http://schemas.microsoft.com/office/drawing/2010/main">
+                <a:solidFill>
+                  <a:srgbClr val="FFFFFF"/>
+                </a:solidFill>
+              </a14:hiddenFill>
+            </a:ext>
+          </a:extLst>
+        </p:spPr>
+      </p:pic>
+      <p:sp>
+        <p:nvSpPr>
+          <p:cNvPr id="5" name="Right Arrow 4"/>
           <p:cNvSpPr/>
           <p:nvPr/>
         </p:nvSpPr>
         <p:spPr>
           <a:xfrm>
-            <a:off x="1066800" y="1676400"/>
-            <a:ext cx="1981200" cy="1295400"/>
+            <a:off x="582467" y="5410200"/>
+            <a:ext cx="8077200" cy="1066800"/>
           </a:xfrm>
-          <a:prstGeom prst="ellipse">
+          <a:prstGeom prst="rightArrow">
             <a:avLst/>
           </a:prstGeom>
-          <a:effectLst>
-            <a:outerShdw blurRad="50800" dist="38100" dir="2700000" algn="tl" rotWithShape="0">
-              <a:prstClr val="black">
-                <a:alpha val="40000"/>
-              </a:prstClr>
-            </a:outerShdw>
-          </a:effectLst>
         </p:spPr>
         <p:style>
           <a:lnRef idx="2">
-            <a:schemeClr val="accent2"/>
+            <a:schemeClr val="accent1">
+              <a:shade val="50000"/>
+            </a:schemeClr>
           </a:lnRef>
           <a:fillRef idx="1">
-            <a:schemeClr val="lt1"/>
-          </a:fillRef>
-          <a:effectRef idx="0">
-            <a:schemeClr val="accent2"/>
-          </a:effectRef>
-          <a:fontRef idx="minor">
-            <a:schemeClr val="dk1"/>
-          </a:fontRef>
-        </p:style>
-        <p:txBody>
-          <a:bodyPr rtlCol="0" anchor="ctr"/>
-          <a:lstStyle/>
-          <a:p>
-            <a:pPr algn="ctr"/>
-            <a:r>
-              <a:rPr lang="en-US" smtClean="0"/>
-              <a:t>Lego</a:t>
-            </a:r>
-            <a:endParaRPr lang="es-VE"/>
-          </a:p>
-        </p:txBody>
-      </p:sp>
-      <p:sp>
-        <p:nvSpPr>
-          <p:cNvPr id="12" name="Oval 11"/>
-          <p:cNvSpPr/>
-          <p:nvPr/>
-        </p:nvSpPr>
-        <p:spPr>
-          <a:xfrm>
-            <a:off x="1066800" y="3124200"/>
-            <a:ext cx="1981200" cy="1295400"/>
-          </a:xfrm>
-          <a:prstGeom prst="ellipse">
-            <a:avLst/>
-          </a:prstGeom>
-          <a:effectLst>
-            <a:outerShdw blurRad="50800" dist="38100" dir="2700000" algn="tl" rotWithShape="0">
-              <a:prstClr val="black">
-                <a:alpha val="40000"/>
-              </a:prstClr>
-            </a:outerShdw>
-          </a:effectLst>
-        </p:spPr>
-        <p:style>
-          <a:lnRef idx="2">
             <a:schemeClr val="accent1"/>
-          </a:lnRef>
-          <a:fillRef idx="1">
-            <a:schemeClr val="lt1"/>
           </a:fillRef>
           <a:effectRef idx="0">
             <a:schemeClr val="accent1"/>
           </a:effectRef>
           <a:fontRef idx="minor">
-            <a:schemeClr val="dk1"/>
+            <a:schemeClr val="lt1"/>
           </a:fontRef>
         </p:style>
         <p:txBody>
@@ -3923,9 +7093,35 @@
           <a:lstStyle/>
           <a:p>
             <a:pPr algn="ctr"/>
+            <a:endParaRPr lang="es-VE"/>
+          </a:p>
+        </p:txBody>
+      </p:sp>
+      <p:sp>
+        <p:nvSpPr>
+          <p:cNvPr id="6" name="TextBox 5"/>
+          <p:cNvSpPr txBox="1"/>
+          <p:nvPr/>
+        </p:nvSpPr>
+        <p:spPr>
+          <a:xfrm>
+            <a:off x="1358831" y="5105400"/>
+            <a:ext cx="652743" cy="369332"/>
+          </a:xfrm>
+          <a:prstGeom prst="rect">
+            <a:avLst/>
+          </a:prstGeom>
+          <a:noFill/>
+        </p:spPr>
+        <p:txBody>
+          <a:bodyPr wrap="none" rtlCol="0">
+            <a:spAutoFit/>
+          </a:bodyPr>
+          <a:lstStyle/>
+          <a:p>
             <a:r>
               <a:rPr lang="en-US" smtClean="0"/>
-              <a:t>MIT - ML</a:t>
+              <a:t>1995</a:t>
             </a:r>
             <a:endParaRPr lang="es-VE"/>
           </a:p>
@@ -3933,172 +7129,553 @@
       </p:sp>
       <p:sp>
         <p:nvSpPr>
-          <p:cNvPr id="13" name="Oval 12"/>
+          <p:cNvPr id="13" name="TextBox 12"/>
+          <p:cNvSpPr txBox="1"/>
+          <p:nvPr/>
+        </p:nvSpPr>
+        <p:spPr>
+          <a:xfrm>
+            <a:off x="6999837" y="5073134"/>
+            <a:ext cx="652743" cy="369332"/>
+          </a:xfrm>
+          <a:prstGeom prst="rect">
+            <a:avLst/>
+          </a:prstGeom>
+          <a:noFill/>
+        </p:spPr>
+        <p:txBody>
+          <a:bodyPr wrap="none" rtlCol="0">
+            <a:spAutoFit/>
+          </a:bodyPr>
+          <a:lstStyle/>
+          <a:p>
+            <a:r>
+              <a:rPr lang="en-US" smtClean="0"/>
+              <a:t>1995</a:t>
+            </a:r>
+            <a:endParaRPr lang="es-VE"/>
+          </a:p>
+        </p:txBody>
+      </p:sp>
+      <p:sp>
+        <p:nvSpPr>
+          <p:cNvPr id="14" name="TextBox 13"/>
+          <p:cNvSpPr txBox="1"/>
+          <p:nvPr/>
+        </p:nvSpPr>
+        <p:spPr>
+          <a:xfrm>
+            <a:off x="4267563" y="5105400"/>
+            <a:ext cx="652743" cy="369332"/>
+          </a:xfrm>
+          <a:prstGeom prst="rect">
+            <a:avLst/>
+          </a:prstGeom>
+          <a:noFill/>
+        </p:spPr>
+        <p:txBody>
+          <a:bodyPr wrap="none" rtlCol="0">
+            <a:spAutoFit/>
+          </a:bodyPr>
+          <a:lstStyle/>
+          <a:p>
+            <a:r>
+              <a:rPr lang="en-US" smtClean="0"/>
+              <a:t>1996</a:t>
+            </a:r>
+            <a:endParaRPr lang="es-VE"/>
+          </a:p>
+        </p:txBody>
+      </p:sp>
+      <p:sp>
+        <p:nvSpPr>
+          <p:cNvPr id="7" name="TextBox 6"/>
+          <p:cNvSpPr txBox="1"/>
+          <p:nvPr/>
+        </p:nvSpPr>
+        <p:spPr>
+          <a:xfrm>
+            <a:off x="1056287" y="4703802"/>
+            <a:ext cx="1265090" cy="369332"/>
+          </a:xfrm>
+          <a:prstGeom prst="rect">
+            <a:avLst/>
+          </a:prstGeom>
+          <a:noFill/>
+        </p:spPr>
+        <p:txBody>
+          <a:bodyPr wrap="none" rtlCol="0">
+            <a:spAutoFit/>
+          </a:bodyPr>
+          <a:lstStyle/>
+          <a:p>
+            <a:r>
+              <a:rPr lang="en-US" smtClean="0"/>
+              <a:t>Bloque Gris</a:t>
+            </a:r>
+            <a:endParaRPr lang="es-VE"/>
+          </a:p>
+        </p:txBody>
+      </p:sp>
+      <p:sp>
+        <p:nvSpPr>
+          <p:cNvPr id="16" name="TextBox 15"/>
+          <p:cNvSpPr txBox="1"/>
+          <p:nvPr/>
+        </p:nvSpPr>
+        <p:spPr>
+          <a:xfrm>
+            <a:off x="6693663" y="4703802"/>
+            <a:ext cx="1381853" cy="369332"/>
+          </a:xfrm>
+          <a:prstGeom prst="rect">
+            <a:avLst/>
+          </a:prstGeom>
+          <a:noFill/>
+        </p:spPr>
+        <p:txBody>
+          <a:bodyPr wrap="none" rtlCol="0">
+            <a:spAutoFit/>
+          </a:bodyPr>
+          <a:lstStyle/>
+          <a:p>
+            <a:r>
+              <a:rPr lang="en-US" smtClean="0"/>
+              <a:t>Cybermaster</a:t>
+            </a:r>
+            <a:endParaRPr lang="es-VE"/>
+          </a:p>
+        </p:txBody>
+      </p:sp>
+      <p:sp>
+        <p:nvSpPr>
+          <p:cNvPr id="17" name="TextBox 16"/>
+          <p:cNvSpPr txBox="1"/>
+          <p:nvPr/>
+        </p:nvSpPr>
+        <p:spPr>
+          <a:xfrm>
+            <a:off x="3961389" y="4703802"/>
+            <a:ext cx="1314847" cy="369332"/>
+          </a:xfrm>
+          <a:prstGeom prst="rect">
+            <a:avLst/>
+          </a:prstGeom>
+          <a:noFill/>
+        </p:spPr>
+        <p:txBody>
+          <a:bodyPr wrap="none" rtlCol="0">
+            <a:spAutoFit/>
+          </a:bodyPr>
+          <a:lstStyle/>
+          <a:p>
+            <a:r>
+              <a:rPr lang="en-US" smtClean="0"/>
+              <a:t>Bloque Rojo</a:t>
+            </a:r>
+            <a:endParaRPr lang="es-VE"/>
+          </a:p>
+        </p:txBody>
+      </p:sp>
+    </p:spTree>
+    <p:extLst>
+      <p:ext uri="{BB962C8B-B14F-4D97-AF65-F5344CB8AC3E}">
+        <p14:creationId xmlns:p14="http://schemas.microsoft.com/office/powerpoint/2010/main" val="4069046920"/>
+      </p:ext>
+    </p:extLst>
+  </p:cSld>
+  <p:clrMapOvr>
+    <a:masterClrMapping/>
+  </p:clrMapOvr>
+</p:sld>
+</file>
+
+<file path=ppt/slides/slide5.xml><?xml version="1.0" encoding="utf-8"?>
+<p:sld xmlns:a="http://schemas.openxmlformats.org/drawingml/2006/main" xmlns:r="http://schemas.openxmlformats.org/officeDocument/2006/relationships" xmlns:p="http://schemas.openxmlformats.org/presentationml/2006/main">
+  <p:cSld>
+    <p:spTree>
+      <p:nvGrpSpPr>
+        <p:cNvPr id="1" name=""/>
+        <p:cNvGrpSpPr/>
+        <p:nvPr/>
+      </p:nvGrpSpPr>
+      <p:grpSpPr>
+        <a:xfrm>
+          <a:off x="0" y="0"/>
+          <a:ext cx="0" cy="0"/>
+          <a:chOff x="0" y="0"/>
+          <a:chExt cx="0" cy="0"/>
+        </a:xfrm>
+      </p:grpSpPr>
+      <p:sp>
+        <p:nvSpPr>
+          <p:cNvPr id="2" name="Title 1"/>
+          <p:cNvSpPr>
+            <a:spLocks noGrp="1"/>
+          </p:cNvSpPr>
+          <p:nvPr>
+            <p:ph type="title"/>
+          </p:nvPr>
+        </p:nvSpPr>
+        <p:spPr/>
+        <p:txBody>
+          <a:bodyPr/>
+          <a:lstStyle/>
+          <a:p>
+            <a:pPr algn="l"/>
+            <a:r>
+              <a:rPr lang="en-US" smtClean="0"/>
+              <a:t>Lego Mindstorms</a:t>
+            </a:r>
+            <a:endParaRPr lang="es-VE"/>
+          </a:p>
+        </p:txBody>
+      </p:sp>
+      <p:sp>
+        <p:nvSpPr>
+          <p:cNvPr id="5" name="Right Arrow 4"/>
           <p:cNvSpPr/>
           <p:nvPr/>
         </p:nvSpPr>
         <p:spPr>
           <a:xfrm>
-            <a:off x="1066800" y="4617027"/>
-            <a:ext cx="1981200" cy="1295400"/>
+            <a:off x="582467" y="5410200"/>
+            <a:ext cx="8077200" cy="1066800"/>
           </a:xfrm>
-          <a:prstGeom prst="ellipse">
+          <a:prstGeom prst="rightArrow">
             <a:avLst/>
           </a:prstGeom>
-          <a:effectLst>
-            <a:outerShdw blurRad="50800" dist="38100" dir="2700000" algn="tl" rotWithShape="0">
-              <a:prstClr val="black">
-                <a:alpha val="40000"/>
-              </a:prstClr>
-            </a:outerShdw>
-          </a:effectLst>
         </p:spPr>
         <p:style>
           <a:lnRef idx="2">
-            <a:schemeClr val="accent6"/>
+            <a:schemeClr val="accent1">
+              <a:shade val="50000"/>
+            </a:schemeClr>
           </a:lnRef>
           <a:fillRef idx="1">
-            <a:schemeClr val="lt1"/>
+            <a:schemeClr val="accent1"/>
           </a:fillRef>
           <a:effectRef idx="0">
-            <a:schemeClr val="accent6"/>
-          </a:effectRef>
-          <a:fontRef idx="minor">
-            <a:schemeClr val="dk1"/>
-          </a:fontRef>
-        </p:style>
-        <p:txBody>
-          <a:bodyPr rtlCol="0" anchor="ctr"/>
-          <a:lstStyle/>
-          <a:p>
-            <a:pPr algn="ctr"/>
-            <a:r>
-              <a:rPr lang="en-US" smtClean="0"/>
-              <a:t>RAPEALG</a:t>
-            </a:r>
-            <a:endParaRPr lang="es-VE"/>
-          </a:p>
-        </p:txBody>
-      </p:sp>
-      <p:cxnSp>
-        <p:nvCxnSpPr>
-          <p:cNvPr id="15" name="Elbow Connector 14"/>
-          <p:cNvCxnSpPr>
-            <a:stCxn id="9" idx="6"/>
-            <a:endCxn id="10" idx="1"/>
-          </p:cNvCxnSpPr>
-          <p:nvPr/>
-        </p:nvCxnSpPr>
-        <p:spPr>
-          <a:xfrm>
-            <a:off x="3048000" y="2324100"/>
-            <a:ext cx="1803812" cy="1422560"/>
-          </a:xfrm>
-          <a:prstGeom prst="bentConnector3">
-            <a:avLst>
-              <a:gd name="adj1" fmla="val 50000"/>
-            </a:avLst>
-          </a:prstGeom>
-          <a:ln>
-            <a:headEnd type="none" w="med" len="med"/>
-            <a:tailEnd type="none" w="med" len="med"/>
-          </a:ln>
-        </p:spPr>
-        <p:style>
-          <a:lnRef idx="2">
-            <a:schemeClr val="accent1"/>
-          </a:lnRef>
-          <a:fillRef idx="0">
-            <a:schemeClr val="accent1"/>
-          </a:fillRef>
-          <a:effectRef idx="1">
             <a:schemeClr val="accent1"/>
           </a:effectRef>
           <a:fontRef idx="minor">
-            <a:schemeClr val="tx1"/>
+            <a:schemeClr val="lt1"/>
           </a:fontRef>
         </p:style>
-      </p:cxnSp>
-      <p:cxnSp>
-        <p:nvCxnSpPr>
-          <p:cNvPr id="17" name="Elbow Connector 16"/>
-          <p:cNvCxnSpPr>
-            <a:stCxn id="12" idx="6"/>
-            <a:endCxn id="10" idx="1"/>
-          </p:cNvCxnSpPr>
+        <p:txBody>
+          <a:bodyPr rtlCol="0" anchor="ctr"/>
+          <a:lstStyle/>
+          <a:p>
+            <a:pPr algn="ctr"/>
+            <a:endParaRPr lang="es-VE"/>
+          </a:p>
+        </p:txBody>
+      </p:sp>
+      <p:sp>
+        <p:nvSpPr>
+          <p:cNvPr id="6" name="TextBox 5"/>
+          <p:cNvSpPr txBox="1"/>
           <p:nvPr/>
-        </p:nvCxnSpPr>
+        </p:nvSpPr>
         <p:spPr>
-          <a:xfrm flipV="1">
-            <a:off x="3048000" y="3746660"/>
-            <a:ext cx="1803812" cy="25240"/>
+          <a:xfrm>
+            <a:off x="1634483" y="5105400"/>
+            <a:ext cx="652743" cy="369332"/>
           </a:xfrm>
-          <a:prstGeom prst="bentConnector3">
+          <a:prstGeom prst="rect">
             <a:avLst/>
           </a:prstGeom>
-          <a:ln>
-            <a:headEnd type="none" w="med" len="med"/>
-            <a:tailEnd type="none" w="med" len="med"/>
-          </a:ln>
+          <a:noFill/>
         </p:spPr>
-        <p:style>
-          <a:lnRef idx="2">
-            <a:schemeClr val="accent1"/>
-          </a:lnRef>
-          <a:fillRef idx="0">
-            <a:schemeClr val="accent1"/>
-          </a:fillRef>
-          <a:effectRef idx="1">
-            <a:schemeClr val="accent1"/>
-          </a:effectRef>
-          <a:fontRef idx="minor">
-            <a:schemeClr val="tx1"/>
-          </a:fontRef>
-        </p:style>
-      </p:cxnSp>
-      <p:cxnSp>
-        <p:nvCxnSpPr>
-          <p:cNvPr id="19" name="Elbow Connector 18"/>
-          <p:cNvCxnSpPr>
-            <a:stCxn id="13" idx="6"/>
-            <a:endCxn id="10" idx="1"/>
-          </p:cNvCxnSpPr>
+        <p:txBody>
+          <a:bodyPr wrap="none" rtlCol="0">
+            <a:spAutoFit/>
+          </a:bodyPr>
+          <a:lstStyle/>
+          <a:p>
+            <a:r>
+              <a:rPr lang="en-US" smtClean="0"/>
+              <a:t>1995</a:t>
+            </a:r>
+            <a:endParaRPr lang="es-VE"/>
+          </a:p>
+        </p:txBody>
+      </p:sp>
+      <p:sp>
+        <p:nvSpPr>
+          <p:cNvPr id="13" name="TextBox 12"/>
+          <p:cNvSpPr txBox="1"/>
           <p:nvPr/>
-        </p:nvCxnSpPr>
+        </p:nvSpPr>
         <p:spPr>
-          <a:xfrm flipV="1">
-            <a:off x="3048000" y="3746660"/>
-            <a:ext cx="1803812" cy="1518067"/>
+          <a:xfrm>
+            <a:off x="6999837" y="5073134"/>
+            <a:ext cx="652743" cy="369332"/>
           </a:xfrm>
-          <a:prstGeom prst="bentConnector3">
-            <a:avLst>
-              <a:gd name="adj1" fmla="val 50000"/>
-            </a:avLst>
+          <a:prstGeom prst="rect">
+            <a:avLst/>
           </a:prstGeom>
-          <a:ln>
-            <a:headEnd type="none" w="med" len="med"/>
-            <a:tailEnd type="none" w="med" len="med"/>
-          </a:ln>
+          <a:noFill/>
         </p:spPr>
-        <p:style>
-          <a:lnRef idx="2">
-            <a:schemeClr val="accent1"/>
-          </a:lnRef>
-          <a:fillRef idx="0">
-            <a:schemeClr val="accent1"/>
-          </a:fillRef>
-          <a:effectRef idx="1">
-            <a:schemeClr val="accent1"/>
-          </a:effectRef>
-          <a:fontRef idx="minor">
-            <a:schemeClr val="tx1"/>
-          </a:fontRef>
-        </p:style>
-      </p:cxnSp>
+        <p:txBody>
+          <a:bodyPr wrap="none" rtlCol="0">
+            <a:spAutoFit/>
+          </a:bodyPr>
+          <a:lstStyle/>
+          <a:p>
+            <a:r>
+              <a:rPr lang="en-US" smtClean="0"/>
+              <a:t>1995</a:t>
+            </a:r>
+            <a:endParaRPr lang="es-VE"/>
+          </a:p>
+        </p:txBody>
+      </p:sp>
+      <p:sp>
+        <p:nvSpPr>
+          <p:cNvPr id="14" name="TextBox 13"/>
+          <p:cNvSpPr txBox="1"/>
+          <p:nvPr/>
+        </p:nvSpPr>
+        <p:spPr>
+          <a:xfrm>
+            <a:off x="4267563" y="5105400"/>
+            <a:ext cx="652743" cy="369332"/>
+          </a:xfrm>
+          <a:prstGeom prst="rect">
+            <a:avLst/>
+          </a:prstGeom>
+          <a:noFill/>
+        </p:spPr>
+        <p:txBody>
+          <a:bodyPr wrap="none" rtlCol="0">
+            <a:spAutoFit/>
+          </a:bodyPr>
+          <a:lstStyle/>
+          <a:p>
+            <a:r>
+              <a:rPr lang="en-US" smtClean="0"/>
+              <a:t>1996</a:t>
+            </a:r>
+            <a:endParaRPr lang="es-VE"/>
+          </a:p>
+        </p:txBody>
+      </p:sp>
+      <p:sp>
+        <p:nvSpPr>
+          <p:cNvPr id="7" name="TextBox 6"/>
+          <p:cNvSpPr txBox="1"/>
+          <p:nvPr/>
+        </p:nvSpPr>
+        <p:spPr>
+          <a:xfrm>
+            <a:off x="1685201" y="4757825"/>
+            <a:ext cx="551305" cy="369332"/>
+          </a:xfrm>
+          <a:prstGeom prst="rect">
+            <a:avLst/>
+          </a:prstGeom>
+          <a:noFill/>
+        </p:spPr>
+        <p:txBody>
+          <a:bodyPr wrap="none" rtlCol="0">
+            <a:spAutoFit/>
+          </a:bodyPr>
+          <a:lstStyle/>
+          <a:p>
+            <a:r>
+              <a:rPr lang="en-US" smtClean="0"/>
+              <a:t>RCX</a:t>
+            </a:r>
+            <a:endParaRPr lang="es-VE"/>
+          </a:p>
+        </p:txBody>
+      </p:sp>
+      <p:sp>
+        <p:nvSpPr>
+          <p:cNvPr id="16" name="TextBox 15"/>
+          <p:cNvSpPr txBox="1"/>
+          <p:nvPr/>
+        </p:nvSpPr>
+        <p:spPr>
+          <a:xfrm>
+            <a:off x="7053537" y="4659908"/>
+            <a:ext cx="545342" cy="369332"/>
+          </a:xfrm>
+          <a:prstGeom prst="rect">
+            <a:avLst/>
+          </a:prstGeom>
+          <a:noFill/>
+        </p:spPr>
+        <p:txBody>
+          <a:bodyPr wrap="none" rtlCol="0">
+            <a:spAutoFit/>
+          </a:bodyPr>
+          <a:lstStyle/>
+          <a:p>
+            <a:r>
+              <a:rPr lang="en-US" smtClean="0"/>
+              <a:t>EV3</a:t>
+            </a:r>
+            <a:endParaRPr lang="es-VE"/>
+          </a:p>
+        </p:txBody>
+      </p:sp>
+      <p:sp>
+        <p:nvSpPr>
+          <p:cNvPr id="17" name="TextBox 16"/>
+          <p:cNvSpPr txBox="1"/>
+          <p:nvPr/>
+        </p:nvSpPr>
+        <p:spPr>
+          <a:xfrm>
+            <a:off x="4310843" y="4664334"/>
+            <a:ext cx="566181" cy="369332"/>
+          </a:xfrm>
+          <a:prstGeom prst="rect">
+            <a:avLst/>
+          </a:prstGeom>
+          <a:noFill/>
+        </p:spPr>
+        <p:txBody>
+          <a:bodyPr wrap="none" rtlCol="0">
+            <a:spAutoFit/>
+          </a:bodyPr>
+          <a:lstStyle/>
+          <a:p>
+            <a:r>
+              <a:rPr lang="en-US" smtClean="0"/>
+              <a:t>NXT</a:t>
+            </a:r>
+            <a:endParaRPr lang="es-VE"/>
+          </a:p>
+        </p:txBody>
+      </p:sp>
+      <p:pic>
+        <p:nvPicPr>
+          <p:cNvPr id="15" name="Picture 3" descr="D:\MADN3S\Seminario\EV3.png"/>
+          <p:cNvPicPr>
+            <a:picLocks noChangeAspect="1" noChangeArrowheads="1"/>
+          </p:cNvPicPr>
+          <p:nvPr/>
+        </p:nvPicPr>
+        <p:blipFill>
+          <a:blip r:embed="rId2">
+            <a:extLst>
+              <a:ext uri="{28A0092B-C50C-407E-A947-70E740481C1C}">
+                <a14:useLocalDpi xmlns:a14="http://schemas.microsoft.com/office/drawing/2010/main" val="0"/>
+              </a:ext>
+            </a:extLst>
+          </a:blip>
+          <a:srcRect/>
+          <a:stretch>
+            <a:fillRect/>
+          </a:stretch>
+        </p:blipFill>
+        <p:spPr bwMode="auto">
+          <a:xfrm>
+            <a:off x="5999736" y="1632312"/>
+            <a:ext cx="2652944" cy="3034339"/>
+          </a:xfrm>
+          <a:prstGeom prst="rect">
+            <a:avLst/>
+          </a:prstGeom>
+          <a:noFill/>
+          <a:extLst>
+            <a:ext uri="{909E8E84-426E-40DD-AFC4-6F175D3DCCD1}">
+              <a14:hiddenFill xmlns:a14="http://schemas.microsoft.com/office/drawing/2010/main">
+                <a:solidFill>
+                  <a:srgbClr val="FFFFFF"/>
+                </a:solidFill>
+              </a14:hiddenFill>
+            </a:ext>
+          </a:extLst>
+        </p:spPr>
+      </p:pic>
+      <p:pic>
+        <p:nvPicPr>
+          <p:cNvPr id="18" name="Picture 4" descr="D:\MADN3S\Seminario\NXT.png"/>
+          <p:cNvPicPr>
+            <a:picLocks noChangeAspect="1" noChangeArrowheads="1"/>
+          </p:cNvPicPr>
+          <p:nvPr/>
+        </p:nvPicPr>
+        <p:blipFill>
+          <a:blip r:embed="rId3">
+            <a:extLst>
+              <a:ext uri="{28A0092B-C50C-407E-A947-70E740481C1C}">
+                <a14:useLocalDpi xmlns:a14="http://schemas.microsoft.com/office/drawing/2010/main" val="0"/>
+              </a:ext>
+            </a:extLst>
+          </a:blip>
+          <a:srcRect/>
+          <a:stretch>
+            <a:fillRect/>
+          </a:stretch>
+        </p:blipFill>
+        <p:spPr bwMode="auto">
+          <a:xfrm>
+            <a:off x="3261404" y="1646167"/>
+            <a:ext cx="2665057" cy="3048194"/>
+          </a:xfrm>
+          <a:prstGeom prst="rect">
+            <a:avLst/>
+          </a:prstGeom>
+          <a:noFill/>
+          <a:extLst>
+            <a:ext uri="{909E8E84-426E-40DD-AFC4-6F175D3DCCD1}">
+              <a14:hiddenFill xmlns:a14="http://schemas.microsoft.com/office/drawing/2010/main">
+                <a:solidFill>
+                  <a:srgbClr val="FFFFFF"/>
+                </a:solidFill>
+              </a14:hiddenFill>
+            </a:ext>
+          </a:extLst>
+        </p:spPr>
+      </p:pic>
+      <p:pic>
+        <p:nvPicPr>
+          <p:cNvPr id="19" name="Picture 7" descr="D:\MADN3S\Seminario\RCX.png"/>
+          <p:cNvPicPr>
+            <a:picLocks noChangeAspect="1" noChangeArrowheads="1"/>
+          </p:cNvPicPr>
+          <p:nvPr/>
+        </p:nvPicPr>
+        <p:blipFill rotWithShape="1">
+          <a:blip r:embed="rId4">
+            <a:extLst>
+              <a:ext uri="{28A0092B-C50C-407E-A947-70E740481C1C}">
+                <a14:useLocalDpi xmlns:a14="http://schemas.microsoft.com/office/drawing/2010/main" val="0"/>
+              </a:ext>
+            </a:extLst>
+          </a:blip>
+          <a:srcRect l="7389" t="9515" r="2465" b="12633"/>
+          <a:stretch/>
+        </p:blipFill>
+        <p:spPr bwMode="auto">
+          <a:xfrm>
+            <a:off x="582467" y="1773382"/>
+            <a:ext cx="2678937" cy="2646218"/>
+          </a:xfrm>
+          <a:prstGeom prst="rect">
+            <a:avLst/>
+          </a:prstGeom>
+          <a:noFill/>
+          <a:extLst>
+            <a:ext uri="{909E8E84-426E-40DD-AFC4-6F175D3DCCD1}">
+              <a14:hiddenFill xmlns:a14="http://schemas.microsoft.com/office/drawing/2010/main">
+                <a:solidFill>
+                  <a:srgbClr val="FFFFFF"/>
+                </a:solidFill>
+              </a14:hiddenFill>
+            </a:ext>
+          </a:extLst>
+        </p:spPr>
+      </p:pic>
     </p:spTree>
     <p:extLst>
       <p:ext uri="{BB962C8B-B14F-4D97-AF65-F5344CB8AC3E}">
-        <p14:creationId xmlns:p14="http://schemas.microsoft.com/office/powerpoint/2010/main" val="1119314853"/>
+        <p14:creationId xmlns:p14="http://schemas.microsoft.com/office/powerpoint/2010/main" val="1737855936"/>
       </p:ext>
     </p:extLst>
   </p:cSld>

--- a/Seminario/presentacion-seminario.pptx
+++ b/Seminario/presentacion-seminario.pptx
@@ -8,6 +8,7 @@
     <p:sldId id="256" r:id="rId2"/>
     <p:sldId id="257" r:id="rId3"/>
     <p:sldId id="258" r:id="rId4"/>
+    <p:sldId id="259" r:id="rId5"/>
   </p:sldIdLst>
   <p:sldSz cx="9144000" cy="6858000" type="screen4x3"/>
   <p:notesSz cx="6858000" cy="9144000"/>
@@ -332,7 +333,7 @@
           <a:p>
             <a:fld id="{E8563F6F-50B0-416C-B947-051DE0A20A23}" type="slidenum">
               <a:rPr lang="es-VE" smtClean="0"/>
-              <a:t>‹#›</a:t>
+              <a:t>‹Nº›</a:t>
             </a:fld>
             <a:endParaRPr lang="es-VE"/>
           </a:p>
@@ -502,7 +503,7 @@
           <a:p>
             <a:fld id="{E8563F6F-50B0-416C-B947-051DE0A20A23}" type="slidenum">
               <a:rPr lang="es-VE" smtClean="0"/>
-              <a:t>‹#›</a:t>
+              <a:t>‹Nº›</a:t>
             </a:fld>
             <a:endParaRPr lang="es-VE"/>
           </a:p>
@@ -682,7 +683,7 @@
           <a:p>
             <a:fld id="{E8563F6F-50B0-416C-B947-051DE0A20A23}" type="slidenum">
               <a:rPr lang="es-VE" smtClean="0"/>
-              <a:t>‹#›</a:t>
+              <a:t>‹Nº›</a:t>
             </a:fld>
             <a:endParaRPr lang="es-VE"/>
           </a:p>
@@ -852,7 +853,7 @@
           <a:p>
             <a:fld id="{E8563F6F-50B0-416C-B947-051DE0A20A23}" type="slidenum">
               <a:rPr lang="es-VE" smtClean="0"/>
-              <a:t>‹#›</a:t>
+              <a:t>‹Nº›</a:t>
             </a:fld>
             <a:endParaRPr lang="es-VE"/>
           </a:p>
@@ -1098,7 +1099,7 @@
           <a:p>
             <a:fld id="{E8563F6F-50B0-416C-B947-051DE0A20A23}" type="slidenum">
               <a:rPr lang="es-VE" smtClean="0"/>
-              <a:t>‹#›</a:t>
+              <a:t>‹Nº›</a:t>
             </a:fld>
             <a:endParaRPr lang="es-VE"/>
           </a:p>
@@ -1386,7 +1387,7 @@
           <a:p>
             <a:fld id="{E8563F6F-50B0-416C-B947-051DE0A20A23}" type="slidenum">
               <a:rPr lang="es-VE" smtClean="0"/>
-              <a:t>‹#›</a:t>
+              <a:t>‹Nº›</a:t>
             </a:fld>
             <a:endParaRPr lang="es-VE"/>
           </a:p>
@@ -1808,7 +1809,7 @@
           <a:p>
             <a:fld id="{E8563F6F-50B0-416C-B947-051DE0A20A23}" type="slidenum">
               <a:rPr lang="es-VE" smtClean="0"/>
-              <a:t>‹#›</a:t>
+              <a:t>‹Nº›</a:t>
             </a:fld>
             <a:endParaRPr lang="es-VE"/>
           </a:p>
@@ -1926,7 +1927,7 @@
           <a:p>
             <a:fld id="{E8563F6F-50B0-416C-B947-051DE0A20A23}" type="slidenum">
               <a:rPr lang="es-VE" smtClean="0"/>
-              <a:t>‹#›</a:t>
+              <a:t>‹Nº›</a:t>
             </a:fld>
             <a:endParaRPr lang="es-VE"/>
           </a:p>
@@ -2021,7 +2022,7 @@
           <a:p>
             <a:fld id="{E8563F6F-50B0-416C-B947-051DE0A20A23}" type="slidenum">
               <a:rPr lang="es-VE" smtClean="0"/>
-              <a:t>‹#›</a:t>
+              <a:t>‹Nº›</a:t>
             </a:fld>
             <a:endParaRPr lang="es-VE"/>
           </a:p>
@@ -2298,7 +2299,7 @@
           <a:p>
             <a:fld id="{E8563F6F-50B0-416C-B947-051DE0A20A23}" type="slidenum">
               <a:rPr lang="es-VE" smtClean="0"/>
-              <a:t>‹#›</a:t>
+              <a:t>‹Nº›</a:t>
             </a:fld>
             <a:endParaRPr lang="es-VE"/>
           </a:p>
@@ -2551,7 +2552,7 @@
           <a:p>
             <a:fld id="{E8563F6F-50B0-416C-B947-051DE0A20A23}" type="slidenum">
               <a:rPr lang="es-VE" smtClean="0"/>
-              <a:t>‹#›</a:t>
+              <a:t>‹Nº›</a:t>
             </a:fld>
             <a:endParaRPr lang="es-VE"/>
           </a:p>
@@ -2800,7 +2801,7 @@
           <a:p>
             <a:fld id="{E8563F6F-50B0-416C-B947-051DE0A20A23}" type="slidenum">
               <a:rPr lang="es-VE" smtClean="0"/>
-              <a:t>‹#›</a:t>
+              <a:t>‹Nº›</a:t>
             </a:fld>
             <a:endParaRPr lang="es-VE"/>
           </a:p>
@@ -4099,6 +4100,97 @@
     <p:extLst>
       <p:ext uri="{BB962C8B-B14F-4D97-AF65-F5344CB8AC3E}">
         <p14:creationId xmlns:p14="http://schemas.microsoft.com/office/powerpoint/2010/main" val="1119314853"/>
+      </p:ext>
+    </p:extLst>
+  </p:cSld>
+  <p:clrMapOvr>
+    <a:masterClrMapping/>
+  </p:clrMapOvr>
+</p:sld>
+</file>
+
+<file path=ppt/slides/slide4.xml><?xml version="1.0" encoding="utf-8"?>
+<p:sld xmlns:a="http://schemas.openxmlformats.org/drawingml/2006/main" xmlns:r="http://schemas.openxmlformats.org/officeDocument/2006/relationships" xmlns:p="http://schemas.openxmlformats.org/presentationml/2006/main">
+  <p:cSld>
+    <p:spTree>
+      <p:nvGrpSpPr>
+        <p:cNvPr id="1" name=""/>
+        <p:cNvGrpSpPr/>
+        <p:nvPr/>
+      </p:nvGrpSpPr>
+      <p:grpSpPr>
+        <a:xfrm>
+          <a:off x="0" y="0"/>
+          <a:ext cx="0" cy="0"/>
+          <a:chOff x="0" y="0"/>
+          <a:chExt cx="0" cy="0"/>
+        </a:xfrm>
+      </p:grpSpPr>
+      <p:sp>
+        <p:nvSpPr>
+          <p:cNvPr id="2" name="1 Título"/>
+          <p:cNvSpPr>
+            <a:spLocks noGrp="1"/>
+          </p:cNvSpPr>
+          <p:nvPr>
+            <p:ph type="title"/>
+          </p:nvPr>
+        </p:nvSpPr>
+        <p:spPr/>
+        <p:txBody>
+          <a:bodyPr/>
+          <a:lstStyle/>
+          <a:p>
+            <a:r>
+              <a:rPr lang="es-ES_tradnl" dirty="0" smtClean="0"/>
+              <a:t>Propuesta</a:t>
+            </a:r>
+            <a:endParaRPr lang="es-AR" dirty="0"/>
+          </a:p>
+        </p:txBody>
+      </p:sp>
+      <p:sp>
+        <p:nvSpPr>
+          <p:cNvPr id="3" name="2 Marcador de contenido"/>
+          <p:cNvSpPr>
+            <a:spLocks noGrp="1"/>
+          </p:cNvSpPr>
+          <p:nvPr>
+            <p:ph idx="1"/>
+          </p:nvPr>
+        </p:nvSpPr>
+        <p:spPr/>
+        <p:txBody>
+          <a:bodyPr/>
+          <a:lstStyle/>
+          <a:p>
+            <a:r>
+              <a:rPr lang="es-ES_tradnl" dirty="0" smtClean="0"/>
+              <a:t>Popularización de las impresoras 3D</a:t>
+            </a:r>
+          </a:p>
+          <a:p>
+            <a:r>
+              <a:rPr lang="es-ES_tradnl" dirty="0" smtClean="0"/>
+              <a:t>Requerimientos de conocimiento avanzado para </a:t>
+            </a:r>
+            <a:r>
+              <a:rPr lang="es-ES_tradnl" smtClean="0"/>
+              <a:t>generar modelos 3D</a:t>
+            </a:r>
+          </a:p>
+          <a:p>
+            <a:endParaRPr lang="es-ES_tradnl" dirty="0" smtClean="0"/>
+          </a:p>
+          <a:p>
+            <a:endParaRPr lang="es-AR" dirty="0"/>
+          </a:p>
+        </p:txBody>
+      </p:sp>
+    </p:spTree>
+    <p:extLst>
+      <p:ext uri="{BB962C8B-B14F-4D97-AF65-F5344CB8AC3E}">
+        <p14:creationId xmlns:p14="http://schemas.microsoft.com/office/powerpoint/2010/main" val="2212008119"/>
       </p:ext>
     </p:extLst>
   </p:cSld>
